--- a/lectures/10_gmm.pptx
+++ b/lectures/10_gmm.pptx
@@ -5,7 +5,7 @@
     <p:sldMasterId id="2147483660" r:id="rId1"/>
   </p:sldMasterIdLst>
   <p:notesMasterIdLst>
-    <p:notesMasterId r:id="rId32"/>
+    <p:notesMasterId r:id="rId26"/>
   </p:notesMasterIdLst>
   <p:sldIdLst>
     <p:sldId id="256" r:id="rId2"/>
@@ -21,23 +21,17 @@
     <p:sldId id="518" r:id="rId12"/>
     <p:sldId id="519" r:id="rId13"/>
     <p:sldId id="520" r:id="rId14"/>
-    <p:sldId id="521" r:id="rId15"/>
-    <p:sldId id="522" r:id="rId16"/>
-    <p:sldId id="523" r:id="rId17"/>
-    <p:sldId id="524" r:id="rId18"/>
-    <p:sldId id="525" r:id="rId19"/>
-    <p:sldId id="526" r:id="rId20"/>
-    <p:sldId id="527" r:id="rId21"/>
-    <p:sldId id="528" r:id="rId22"/>
-    <p:sldId id="529" r:id="rId23"/>
-    <p:sldId id="530" r:id="rId24"/>
-    <p:sldId id="534" r:id="rId25"/>
-    <p:sldId id="533" r:id="rId26"/>
-    <p:sldId id="531" r:id="rId27"/>
-    <p:sldId id="532" r:id="rId28"/>
-    <p:sldId id="535" r:id="rId29"/>
-    <p:sldId id="536" r:id="rId30"/>
-    <p:sldId id="508" r:id="rId31"/>
+    <p:sldId id="522" r:id="rId15"/>
+    <p:sldId id="523" r:id="rId16"/>
+    <p:sldId id="524" r:id="rId17"/>
+    <p:sldId id="525" r:id="rId18"/>
+    <p:sldId id="526" r:id="rId19"/>
+    <p:sldId id="527" r:id="rId20"/>
+    <p:sldId id="537" r:id="rId21"/>
+    <p:sldId id="538" r:id="rId22"/>
+    <p:sldId id="535" r:id="rId23"/>
+    <p:sldId id="536" r:id="rId24"/>
+    <p:sldId id="508" r:id="rId25"/>
   </p:sldIdLst>
   <p:sldSz cx="9144000" cy="6858000" type="screen4x3"/>
   <p:notesSz cx="6858000" cy="9144000"/>
@@ -1144,7 +1138,7 @@
           <a:p>
             <a:fld id="{9AEDE394-1F10-DF4E-BD74-865E5DD74903}" type="datetimeFigureOut">
               <a:rPr lang="en-US" smtClean="0"/>
-              <a:t>10/25/22</a:t>
+              <a:t>10/27/22</a:t>
             </a:fld>
             <a:endParaRPr lang="en-US"/>
           </a:p>
@@ -6524,13 +6518,6 @@
               <a:rPr lang="en-US" sz="4800" dirty="0"/>
               <a:t>Gaussian Mixture Models</a:t>
             </a:r>
-            <a:br>
-              <a:rPr lang="en-US" sz="4800" dirty="0"/>
-            </a:br>
-            <a:r>
-              <a:rPr lang="en-US" sz="4800" dirty="0"/>
-              <a:t>Linear Dynamical Systems</a:t>
-            </a:r>
           </a:p>
         </p:txBody>
       </p:sp>
@@ -7448,31 +7435,6 @@
       </p:grpSpPr>
       <p:sp>
         <p:nvSpPr>
-          <p:cNvPr id="2" name="Content Placeholder 1">
-            <a:extLst>
-              <a:ext uri="{FF2B5EF4-FFF2-40B4-BE49-F238E27FC236}">
-                <a16:creationId xmlns:a16="http://schemas.microsoft.com/office/drawing/2014/main" id="{CB31757E-7ACA-FAD0-6D5F-C027BC69245B}"/>
-              </a:ext>
-            </a:extLst>
-          </p:cNvPr>
-          <p:cNvSpPr>
-            <a:spLocks noGrp="1"/>
-          </p:cNvSpPr>
-          <p:nvPr>
-            <p:ph idx="1"/>
-          </p:nvPr>
-        </p:nvSpPr>
-        <p:spPr/>
-        <p:txBody>
-          <a:bodyPr/>
-          <a:lstStyle/>
-          <a:p>
-            <a:endParaRPr lang="en-US"/>
-          </a:p>
-        </p:txBody>
-      </p:sp>
-      <p:sp>
-        <p:nvSpPr>
           <p:cNvPr id="3" name="Slide Number Placeholder 2">
             <a:extLst>
               <a:ext uri="{FF2B5EF4-FFF2-40B4-BE49-F238E27FC236}">
@@ -7534,7 +7496,7 @@
           <a:p>
             <a:r>
               <a:rPr lang="en-US" dirty="0"/>
-              <a:t>Update mean</a:t>
+              <a:t>Update mean and covariance</a:t>
             </a:r>
           </a:p>
         </p:txBody>
@@ -7553,129 +7515,6 @@
 </file>
 
 <file path=ppt/slides/slide14.xml><?xml version="1.0" encoding="utf-8"?>
-<p:sld xmlns:a="http://schemas.openxmlformats.org/drawingml/2006/main" xmlns:r="http://schemas.openxmlformats.org/officeDocument/2006/relationships" xmlns:p="http://schemas.openxmlformats.org/presentationml/2006/main">
-  <p:cSld>
-    <p:spTree>
-      <p:nvGrpSpPr>
-        <p:cNvPr id="1" name=""/>
-        <p:cNvGrpSpPr/>
-        <p:nvPr/>
-      </p:nvGrpSpPr>
-      <p:grpSpPr>
-        <a:xfrm>
-          <a:off x="0" y="0"/>
-          <a:ext cx="0" cy="0"/>
-          <a:chOff x="0" y="0"/>
-          <a:chExt cx="0" cy="0"/>
-        </a:xfrm>
-      </p:grpSpPr>
-      <p:sp>
-        <p:nvSpPr>
-          <p:cNvPr id="2" name="Content Placeholder 1">
-            <a:extLst>
-              <a:ext uri="{FF2B5EF4-FFF2-40B4-BE49-F238E27FC236}">
-                <a16:creationId xmlns:a16="http://schemas.microsoft.com/office/drawing/2014/main" id="{BA5348D0-067C-F7EB-2CAC-E2C9E984B9D7}"/>
-              </a:ext>
-            </a:extLst>
-          </p:cNvPr>
-          <p:cNvSpPr>
-            <a:spLocks noGrp="1"/>
-          </p:cNvSpPr>
-          <p:nvPr>
-            <p:ph idx="1"/>
-          </p:nvPr>
-        </p:nvSpPr>
-        <p:spPr/>
-        <p:txBody>
-          <a:bodyPr/>
-          <a:lstStyle/>
-          <a:p>
-            <a:endParaRPr lang="en-US"/>
-          </a:p>
-        </p:txBody>
-      </p:sp>
-      <p:sp>
-        <p:nvSpPr>
-          <p:cNvPr id="3" name="Slide Number Placeholder 2">
-            <a:extLst>
-              <a:ext uri="{FF2B5EF4-FFF2-40B4-BE49-F238E27FC236}">
-                <a16:creationId xmlns:a16="http://schemas.microsoft.com/office/drawing/2014/main" id="{D3EDE7BA-3321-3F15-215D-A4CCB535A564}"/>
-              </a:ext>
-            </a:extLst>
-          </p:cNvPr>
-          <p:cNvSpPr>
-            <a:spLocks noGrp="1"/>
-          </p:cNvSpPr>
-          <p:nvPr>
-            <p:ph type="sldNum" sz="quarter" idx="12"/>
-          </p:nvPr>
-        </p:nvSpPr>
-        <p:spPr/>
-        <p:txBody>
-          <a:bodyPr/>
-          <a:lstStyle/>
-          <a:p>
-            <a:fld id="{96652B35-718D-4E28-AFEB-B694A3B357E8}" type="slidenum">
-              <a:rPr lang="en-US" smtClean="0">
-                <a:solidFill>
-                  <a:prstClr val="black"/>
-                </a:solidFill>
-                <a:latin typeface="Calibri"/>
-              </a:rPr>
-              <a:pPr/>
-              <a:t>14</a:t>
-            </a:fld>
-            <a:endParaRPr lang="en-US" sz="2000" dirty="0">
-              <a:solidFill>
-                <a:prstClr val="white"/>
-              </a:solidFill>
-              <a:latin typeface="Calibri"/>
-            </a:endParaRPr>
-          </a:p>
-        </p:txBody>
-      </p:sp>
-      <p:sp>
-        <p:nvSpPr>
-          <p:cNvPr id="4" name="Title 3">
-            <a:extLst>
-              <a:ext uri="{FF2B5EF4-FFF2-40B4-BE49-F238E27FC236}">
-                <a16:creationId xmlns:a16="http://schemas.microsoft.com/office/drawing/2014/main" id="{A2040085-74C8-D4AD-9B6E-2F1587DC78B2}"/>
-              </a:ext>
-            </a:extLst>
-          </p:cNvPr>
-          <p:cNvSpPr>
-            <a:spLocks noGrp="1"/>
-          </p:cNvSpPr>
-          <p:nvPr>
-            <p:ph type="title"/>
-          </p:nvPr>
-        </p:nvSpPr>
-        <p:spPr/>
-        <p:txBody>
-          <a:bodyPr/>
-          <a:lstStyle/>
-          <a:p>
-            <a:r>
-              <a:rPr lang="en-US" dirty="0"/>
-              <a:t>Update covariance matrix</a:t>
-            </a:r>
-          </a:p>
-        </p:txBody>
-      </p:sp>
-    </p:spTree>
-    <p:extLst>
-      <p:ext uri="{BB962C8B-B14F-4D97-AF65-F5344CB8AC3E}">
-        <p14:creationId xmlns:p14="http://schemas.microsoft.com/office/powerpoint/2010/main" val="1279295191"/>
-      </p:ext>
-    </p:extLst>
-  </p:cSld>
-  <p:clrMapOvr>
-    <a:masterClrMapping/>
-  </p:clrMapOvr>
-</p:sld>
-</file>
-
-<file path=ppt/slides/slide15.xml><?xml version="1.0" encoding="utf-8"?>
 <p:sld xmlns:a="http://schemas.openxmlformats.org/drawingml/2006/main" xmlns:r="http://schemas.openxmlformats.org/officeDocument/2006/relationships" xmlns:p="http://schemas.openxmlformats.org/presentationml/2006/main">
   <p:cSld>
     <p:spTree>
@@ -8483,7 +8322,7 @@
                 <a:latin typeface="Calibri"/>
               </a:rPr>
               <a:pPr/>
-              <a:t>15</a:t>
+              <a:t>14</a:t>
             </a:fld>
             <a:endParaRPr lang="en-US" sz="2000" dirty="0">
               <a:solidFill>
@@ -8535,7 +8374,7 @@
 </p:sld>
 </file>
 
-<file path=ppt/slides/slide16.xml><?xml version="1.0" encoding="utf-8"?>
+<file path=ppt/slides/slide15.xml><?xml version="1.0" encoding="utf-8"?>
 <p:sld xmlns:a="http://schemas.openxmlformats.org/drawingml/2006/main" xmlns:r="http://schemas.openxmlformats.org/officeDocument/2006/relationships" xmlns:p="http://schemas.openxmlformats.org/presentationml/2006/main">
   <p:cSld>
     <p:spTree>
@@ -8610,6 +8449,189 @@
                 <a:latin typeface="Calibri"/>
               </a:rPr>
               <a:pPr/>
+              <a:t>15</a:t>
+            </a:fld>
+            <a:endParaRPr lang="en-US" sz="2000" dirty="0">
+              <a:solidFill>
+                <a:prstClr val="white"/>
+              </a:solidFill>
+              <a:latin typeface="Calibri"/>
+            </a:endParaRPr>
+          </a:p>
+        </p:txBody>
+      </p:sp>
+      <p:sp>
+        <p:nvSpPr>
+          <p:cNvPr id="4" name="Title 3">
+            <a:extLst>
+              <a:ext uri="{FF2B5EF4-FFF2-40B4-BE49-F238E27FC236}">
+                <a16:creationId xmlns:a16="http://schemas.microsoft.com/office/drawing/2014/main" id="{B8909498-AF00-6FBB-B502-DB1C3AADD159}"/>
+              </a:ext>
+            </a:extLst>
+          </p:cNvPr>
+          <p:cNvSpPr>
+            <a:spLocks noGrp="1"/>
+          </p:cNvSpPr>
+          <p:nvPr>
+            <p:ph type="title"/>
+          </p:nvPr>
+        </p:nvSpPr>
+        <p:spPr/>
+        <p:txBody>
+          <a:bodyPr/>
+          <a:lstStyle/>
+          <a:p>
+            <a:r>
+              <a:rPr lang="en-US" dirty="0"/>
+              <a:t>Illustration of GMM</a:t>
+            </a:r>
+          </a:p>
+        </p:txBody>
+      </p:sp>
+    </p:spTree>
+    <p:extLst>
+      <p:ext uri="{BB962C8B-B14F-4D97-AF65-F5344CB8AC3E}">
+        <p14:creationId xmlns:p14="http://schemas.microsoft.com/office/powerpoint/2010/main" val="3776279312"/>
+      </p:ext>
+    </p:extLst>
+  </p:cSld>
+  <p:clrMapOvr>
+    <a:masterClrMapping/>
+  </p:clrMapOvr>
+</p:sld>
+</file>
+
+<file path=ppt/slides/slide16.xml><?xml version="1.0" encoding="utf-8"?>
+<p:sld xmlns:a="http://schemas.openxmlformats.org/drawingml/2006/main" xmlns:r="http://schemas.openxmlformats.org/officeDocument/2006/relationships" xmlns:p="http://schemas.openxmlformats.org/presentationml/2006/main">
+  <p:cSld>
+    <p:spTree>
+      <p:nvGrpSpPr>
+        <p:cNvPr id="1" name=""/>
+        <p:cNvGrpSpPr/>
+        <p:nvPr/>
+      </p:nvGrpSpPr>
+      <p:grpSpPr>
+        <a:xfrm>
+          <a:off x="0" y="0"/>
+          <a:ext cx="0" cy="0"/>
+          <a:chOff x="0" y="0"/>
+          <a:chExt cx="0" cy="0"/>
+        </a:xfrm>
+      </p:grpSpPr>
+      <p:sp>
+        <p:nvSpPr>
+          <p:cNvPr id="2" name="Content Placeholder 1">
+            <a:extLst>
+              <a:ext uri="{FF2B5EF4-FFF2-40B4-BE49-F238E27FC236}">
+                <a16:creationId xmlns:a16="http://schemas.microsoft.com/office/drawing/2014/main" id="{B747C85D-2361-2A71-CF99-84F9893F467E}"/>
+              </a:ext>
+            </a:extLst>
+          </p:cNvPr>
+          <p:cNvSpPr>
+            <a:spLocks noGrp="1"/>
+          </p:cNvSpPr>
+          <p:nvPr>
+            <p:ph idx="1"/>
+          </p:nvPr>
+        </p:nvSpPr>
+        <p:spPr/>
+        <p:txBody>
+          <a:bodyPr>
+            <a:normAutofit fontScale="92500" lnSpcReduction="10000"/>
+          </a:bodyPr>
+          <a:lstStyle/>
+          <a:p>
+            <a:r>
+              <a:rPr lang="en-US" dirty="0"/>
+              <a:t>Interpretable: </a:t>
+            </a:r>
+          </a:p>
+          <a:p>
+            <a:pPr lvl="1"/>
+            <a:r>
+              <a:rPr lang="en-US" dirty="0"/>
+              <a:t>Participation weight of each data point from every component</a:t>
+            </a:r>
+          </a:p>
+          <a:p>
+            <a:r>
+              <a:rPr lang="en-US" dirty="0"/>
+              <a:t>Generative:</a:t>
+            </a:r>
+          </a:p>
+          <a:p>
+            <a:pPr lvl="1"/>
+            <a:r>
+              <a:rPr lang="en-US" dirty="0"/>
+              <a:t>Able to generate new data</a:t>
+            </a:r>
+          </a:p>
+          <a:p>
+            <a:r>
+              <a:rPr lang="en-US"/>
+              <a:t>Handles missing </a:t>
+            </a:r>
+            <a:r>
+              <a:rPr lang="en-US" dirty="0"/>
+              <a:t>values</a:t>
+            </a:r>
+          </a:p>
+          <a:p>
+            <a:r>
+              <a:rPr lang="en-US" dirty="0"/>
+              <a:t>Efficient: O(TKN)</a:t>
+            </a:r>
+          </a:p>
+          <a:p>
+            <a:r>
+              <a:rPr lang="en-US" dirty="0"/>
+              <a:t>Local optimal:</a:t>
+            </a:r>
+          </a:p>
+          <a:p>
+            <a:pPr lvl="1"/>
+            <a:r>
+              <a:rPr lang="en-US" dirty="0"/>
+              <a:t>Can be viewed as coordinate descent (why?)</a:t>
+            </a:r>
+          </a:p>
+          <a:p>
+            <a:r>
+              <a:rPr lang="en-US" dirty="0"/>
+              <a:t>Need to specify K</a:t>
+            </a:r>
+          </a:p>
+        </p:txBody>
+      </p:sp>
+      <p:sp>
+        <p:nvSpPr>
+          <p:cNvPr id="3" name="Slide Number Placeholder 2">
+            <a:extLst>
+              <a:ext uri="{FF2B5EF4-FFF2-40B4-BE49-F238E27FC236}">
+                <a16:creationId xmlns:a16="http://schemas.microsoft.com/office/drawing/2014/main" id="{5930D40E-1D52-EB5A-9249-209D83729888}"/>
+              </a:ext>
+            </a:extLst>
+          </p:cNvPr>
+          <p:cNvSpPr>
+            <a:spLocks noGrp="1"/>
+          </p:cNvSpPr>
+          <p:nvPr>
+            <p:ph type="sldNum" sz="quarter" idx="12"/>
+          </p:nvPr>
+        </p:nvSpPr>
+        <p:spPr/>
+        <p:txBody>
+          <a:bodyPr/>
+          <a:lstStyle/>
+          <a:p>
+            <a:fld id="{96652B35-718D-4E28-AFEB-B694A3B357E8}" type="slidenum">
+              <a:rPr lang="en-US" smtClean="0">
+                <a:solidFill>
+                  <a:prstClr val="black"/>
+                </a:solidFill>
+                <a:latin typeface="Calibri"/>
+              </a:rPr>
+              <a:pPr/>
               <a:t>16</a:t>
             </a:fld>
             <a:endParaRPr lang="en-US" sz="2000" dirty="0">
@@ -8626,7 +8648,7 @@
           <p:cNvPr id="4" name="Title 3">
             <a:extLst>
               <a:ext uri="{FF2B5EF4-FFF2-40B4-BE49-F238E27FC236}">
-                <a16:creationId xmlns:a16="http://schemas.microsoft.com/office/drawing/2014/main" id="{B8909498-AF00-6FBB-B502-DB1C3AADD159}"/>
+                <a16:creationId xmlns:a16="http://schemas.microsoft.com/office/drawing/2014/main" id="{176B1B3C-3DDF-9ECD-822C-283456BC8F67}"/>
               </a:ext>
             </a:extLst>
           </p:cNvPr>
@@ -8644,7 +8666,7 @@
           <a:p>
             <a:r>
               <a:rPr lang="en-US" dirty="0"/>
-              <a:t>Illustration of GMM</a:t>
+              <a:t>Property of GMM</a:t>
             </a:r>
           </a:p>
         </p:txBody>
@@ -8652,7 +8674,7 @@
     </p:spTree>
     <p:extLst>
       <p:ext uri="{BB962C8B-B14F-4D97-AF65-F5344CB8AC3E}">
-        <p14:creationId xmlns:p14="http://schemas.microsoft.com/office/powerpoint/2010/main" val="3776279312"/>
+        <p14:creationId xmlns:p14="http://schemas.microsoft.com/office/powerpoint/2010/main" val="620242371"/>
       </p:ext>
     </p:extLst>
   </p:cSld>
@@ -8681,95 +8703,10 @@
       </p:grpSpPr>
       <p:sp>
         <p:nvSpPr>
-          <p:cNvPr id="2" name="Content Placeholder 1">
-            <a:extLst>
-              <a:ext uri="{FF2B5EF4-FFF2-40B4-BE49-F238E27FC236}">
-                <a16:creationId xmlns:a16="http://schemas.microsoft.com/office/drawing/2014/main" id="{B747C85D-2361-2A71-CF99-84F9893F467E}"/>
-              </a:ext>
-            </a:extLst>
-          </p:cNvPr>
-          <p:cNvSpPr>
-            <a:spLocks noGrp="1"/>
-          </p:cNvSpPr>
-          <p:nvPr>
-            <p:ph idx="1"/>
-          </p:nvPr>
-        </p:nvSpPr>
-        <p:spPr/>
-        <p:txBody>
-          <a:bodyPr>
-            <a:normAutofit fontScale="92500" lnSpcReduction="10000"/>
-          </a:bodyPr>
-          <a:lstStyle/>
-          <a:p>
-            <a:r>
-              <a:rPr lang="en-US" dirty="0"/>
-              <a:t>Interpretable: </a:t>
-            </a:r>
-          </a:p>
-          <a:p>
-            <a:pPr lvl="1"/>
-            <a:r>
-              <a:rPr lang="en-US" dirty="0"/>
-              <a:t>Participation weight of each data point from every component</a:t>
-            </a:r>
-          </a:p>
-          <a:p>
-            <a:r>
-              <a:rPr lang="en-US" dirty="0"/>
-              <a:t>Generative:</a:t>
-            </a:r>
-          </a:p>
-          <a:p>
-            <a:pPr lvl="1"/>
-            <a:r>
-              <a:rPr lang="en-US" dirty="0"/>
-              <a:t>Able to generate new data</a:t>
-            </a:r>
-          </a:p>
-          <a:p>
-            <a:r>
-              <a:rPr lang="en-US"/>
-              <a:t>Handles missing </a:t>
-            </a:r>
-            <a:r>
-              <a:rPr lang="en-US" dirty="0"/>
-              <a:t>values</a:t>
-            </a:r>
-          </a:p>
-          <a:p>
-            <a:r>
-              <a:rPr lang="en-US" dirty="0"/>
-              <a:t>Efficient: O(TKN)</a:t>
-            </a:r>
-          </a:p>
-          <a:p>
-            <a:r>
-              <a:rPr lang="en-US" dirty="0"/>
-              <a:t>Local optimal:</a:t>
-            </a:r>
-          </a:p>
-          <a:p>
-            <a:pPr lvl="1"/>
-            <a:r>
-              <a:rPr lang="en-US" dirty="0"/>
-              <a:t>Can be viewed as coordinate descent (why?)</a:t>
-            </a:r>
-          </a:p>
-          <a:p>
-            <a:r>
-              <a:rPr lang="en-US" dirty="0"/>
-              <a:t>Need to specify K</a:t>
-            </a:r>
-          </a:p>
-        </p:txBody>
-      </p:sp>
-      <p:sp>
-        <p:nvSpPr>
           <p:cNvPr id="3" name="Slide Number Placeholder 2">
             <a:extLst>
               <a:ext uri="{FF2B5EF4-FFF2-40B4-BE49-F238E27FC236}">
-                <a16:creationId xmlns:a16="http://schemas.microsoft.com/office/drawing/2014/main" id="{5930D40E-1D52-EB5A-9249-209D83729888}"/>
+                <a16:creationId xmlns:a16="http://schemas.microsoft.com/office/drawing/2014/main" id="{58215F4F-BC68-4839-3F41-40A20F6F63B6}"/>
               </a:ext>
             </a:extLst>
           </p:cNvPr>
@@ -8794,104 +8731,6 @@
               </a:rPr>
               <a:pPr/>
               <a:t>17</a:t>
-            </a:fld>
-            <a:endParaRPr lang="en-US" sz="2000" dirty="0">
-              <a:solidFill>
-                <a:prstClr val="white"/>
-              </a:solidFill>
-              <a:latin typeface="Calibri"/>
-            </a:endParaRPr>
-          </a:p>
-        </p:txBody>
-      </p:sp>
-      <p:sp>
-        <p:nvSpPr>
-          <p:cNvPr id="4" name="Title 3">
-            <a:extLst>
-              <a:ext uri="{FF2B5EF4-FFF2-40B4-BE49-F238E27FC236}">
-                <a16:creationId xmlns:a16="http://schemas.microsoft.com/office/drawing/2014/main" id="{176B1B3C-3DDF-9ECD-822C-283456BC8F67}"/>
-              </a:ext>
-            </a:extLst>
-          </p:cNvPr>
-          <p:cNvSpPr>
-            <a:spLocks noGrp="1"/>
-          </p:cNvSpPr>
-          <p:nvPr>
-            <p:ph type="title"/>
-          </p:nvPr>
-        </p:nvSpPr>
-        <p:spPr/>
-        <p:txBody>
-          <a:bodyPr/>
-          <a:lstStyle/>
-          <a:p>
-            <a:r>
-              <a:rPr lang="en-US" dirty="0"/>
-              <a:t>Property of GMM</a:t>
-            </a:r>
-          </a:p>
-        </p:txBody>
-      </p:sp>
-    </p:spTree>
-    <p:extLst>
-      <p:ext uri="{BB962C8B-B14F-4D97-AF65-F5344CB8AC3E}">
-        <p14:creationId xmlns:p14="http://schemas.microsoft.com/office/powerpoint/2010/main" val="620242371"/>
-      </p:ext>
-    </p:extLst>
-  </p:cSld>
-  <p:clrMapOvr>
-    <a:masterClrMapping/>
-  </p:clrMapOvr>
-</p:sld>
-</file>
-
-<file path=ppt/slides/slide18.xml><?xml version="1.0" encoding="utf-8"?>
-<p:sld xmlns:a="http://schemas.openxmlformats.org/drawingml/2006/main" xmlns:r="http://schemas.openxmlformats.org/officeDocument/2006/relationships" xmlns:p="http://schemas.openxmlformats.org/presentationml/2006/main">
-  <p:cSld>
-    <p:spTree>
-      <p:nvGrpSpPr>
-        <p:cNvPr id="1" name=""/>
-        <p:cNvGrpSpPr/>
-        <p:nvPr/>
-      </p:nvGrpSpPr>
-      <p:grpSpPr>
-        <a:xfrm>
-          <a:off x="0" y="0"/>
-          <a:ext cx="0" cy="0"/>
-          <a:chOff x="0" y="0"/>
-          <a:chExt cx="0" cy="0"/>
-        </a:xfrm>
-      </p:grpSpPr>
-      <p:sp>
-        <p:nvSpPr>
-          <p:cNvPr id="3" name="Slide Number Placeholder 2">
-            <a:extLst>
-              <a:ext uri="{FF2B5EF4-FFF2-40B4-BE49-F238E27FC236}">
-                <a16:creationId xmlns:a16="http://schemas.microsoft.com/office/drawing/2014/main" id="{58215F4F-BC68-4839-3F41-40A20F6F63B6}"/>
-              </a:ext>
-            </a:extLst>
-          </p:cNvPr>
-          <p:cNvSpPr>
-            <a:spLocks noGrp="1"/>
-          </p:cNvSpPr>
-          <p:nvPr>
-            <p:ph type="sldNum" sz="quarter" idx="12"/>
-          </p:nvPr>
-        </p:nvSpPr>
-        <p:spPr/>
-        <p:txBody>
-          <a:bodyPr/>
-          <a:lstStyle/>
-          <a:p>
-            <a:fld id="{96652B35-718D-4E28-AFEB-B694A3B357E8}" type="slidenum">
-              <a:rPr lang="en-US" smtClean="0">
-                <a:solidFill>
-                  <a:prstClr val="black"/>
-                </a:solidFill>
-                <a:latin typeface="Calibri"/>
-              </a:rPr>
-              <a:pPr/>
-              <a:t>18</a:t>
             </a:fld>
             <a:endParaRPr lang="en-US" sz="2000" dirty="0">
               <a:solidFill>
@@ -9505,7 +9344,7 @@
 </p:sld>
 </file>
 
-<file path=ppt/slides/slide19.xml><?xml version="1.0" encoding="utf-8"?>
+<file path=ppt/slides/slide18.xml><?xml version="1.0" encoding="utf-8"?>
 <p:sld xmlns:a="http://schemas.openxmlformats.org/drawingml/2006/main" xmlns:r="http://schemas.openxmlformats.org/officeDocument/2006/relationships" xmlns:p="http://schemas.openxmlformats.org/presentationml/2006/main">
   <p:cSld>
     <p:spTree>
@@ -9783,7 +9622,7 @@
                 <a:latin typeface="Calibri"/>
               </a:rPr>
               <a:pPr/>
-              <a:t>19</a:t>
+              <a:t>18</a:t>
             </a:fld>
             <a:endParaRPr lang="en-US" sz="2000" dirty="0">
               <a:solidFill>
@@ -9865,7 +9704,7 @@
 </p:sld>
 </file>
 
-<file path=ppt/slides/slide2.xml><?xml version="1.0" encoding="utf-8"?>
+<file path=ppt/slides/slide19.xml><?xml version="1.0" encoding="utf-8"?>
 <p:sld xmlns:a="http://schemas.openxmlformats.org/drawingml/2006/main" xmlns:r="http://schemas.openxmlformats.org/officeDocument/2006/relationships" xmlns:p="http://schemas.openxmlformats.org/presentationml/2006/main">
   <p:cSld>
     <p:spTree>
@@ -9882,168 +9721,8 @@
           <a:chExt cx="0" cy="0"/>
         </a:xfrm>
       </p:grpSpPr>
-      <p:sp>
-        <p:nvSpPr>
-          <p:cNvPr id="2" name="Content Placeholder 1">
-            <a:extLst>
-              <a:ext uri="{FF2B5EF4-FFF2-40B4-BE49-F238E27FC236}">
-                <a16:creationId xmlns:a16="http://schemas.microsoft.com/office/drawing/2014/main" id="{E04B67FB-FB8D-A0AD-3D9D-B90E591F89D5}"/>
-              </a:ext>
-            </a:extLst>
-          </p:cNvPr>
-          <p:cNvSpPr>
-            <a:spLocks noGrp="1"/>
-          </p:cNvSpPr>
-          <p:nvPr>
-            <p:ph idx="1"/>
-          </p:nvPr>
-        </p:nvSpPr>
-        <p:spPr>
-          <a:solidFill>
-            <a:schemeClr val="accent6">
-              <a:lumMod val="40000"/>
-              <a:lumOff val="60000"/>
-            </a:schemeClr>
-          </a:solidFill>
-        </p:spPr>
-        <p:txBody>
-          <a:bodyPr/>
-          <a:lstStyle/>
-          <a:p>
-            <a:r>
-              <a:rPr lang="en-US" dirty="0"/>
-              <a:t>Bayesian networks: </a:t>
-            </a:r>
-          </a:p>
-          <a:p>
-            <a:pPr lvl="1"/>
-            <a:r>
-              <a:rPr lang="en-US" dirty="0"/>
-              <a:t>Directed acyclic graph</a:t>
-            </a:r>
-          </a:p>
-          <a:p>
-            <a:pPr lvl="1"/>
-            <a:r>
-              <a:rPr lang="en-US" dirty="0"/>
-              <a:t>Nodes are random variables</a:t>
-            </a:r>
-          </a:p>
-          <a:p>
-            <a:pPr lvl="1"/>
-            <a:r>
-              <a:rPr lang="en-US" dirty="0"/>
-              <a:t>arcs are probabilistic dependencies</a:t>
-            </a:r>
-          </a:p>
-          <a:p>
-            <a:r>
-              <a:rPr lang="en-US" dirty="0"/>
-              <a:t>Examine dependence of two variables given observation: d-separation</a:t>
-            </a:r>
-          </a:p>
-        </p:txBody>
-      </p:sp>
-      <p:sp>
-        <p:nvSpPr>
-          <p:cNvPr id="3" name="Slide Number Placeholder 2">
-            <a:extLst>
-              <a:ext uri="{FF2B5EF4-FFF2-40B4-BE49-F238E27FC236}">
-                <a16:creationId xmlns:a16="http://schemas.microsoft.com/office/drawing/2014/main" id="{540A3FC1-8253-A2D0-FC4F-50319B86251C}"/>
-              </a:ext>
-            </a:extLst>
-          </p:cNvPr>
-          <p:cNvSpPr>
-            <a:spLocks noGrp="1"/>
-          </p:cNvSpPr>
-          <p:nvPr>
-            <p:ph type="sldNum" sz="quarter" idx="12"/>
-          </p:nvPr>
-        </p:nvSpPr>
-        <p:spPr/>
-        <p:txBody>
-          <a:bodyPr/>
-          <a:lstStyle/>
-          <a:p>
-            <a:fld id="{96652B35-718D-4E28-AFEB-B694A3B357E8}" type="slidenum">
-              <a:rPr lang="en-US" smtClean="0">
-                <a:solidFill>
-                  <a:prstClr val="black"/>
-                </a:solidFill>
-                <a:latin typeface="Calibri"/>
-              </a:rPr>
-              <a:pPr/>
-              <a:t>2</a:t>
-            </a:fld>
-            <a:endParaRPr lang="en-US" sz="2000" dirty="0">
-              <a:solidFill>
-                <a:prstClr val="white"/>
-              </a:solidFill>
-              <a:latin typeface="Calibri"/>
-            </a:endParaRPr>
-          </a:p>
-        </p:txBody>
-      </p:sp>
-      <p:sp>
-        <p:nvSpPr>
-          <p:cNvPr id="4" name="Title 3">
-            <a:extLst>
-              <a:ext uri="{FF2B5EF4-FFF2-40B4-BE49-F238E27FC236}">
-                <a16:creationId xmlns:a16="http://schemas.microsoft.com/office/drawing/2014/main" id="{96FD6CAA-7238-6161-CD0F-67FCBDFFCAEB}"/>
-              </a:ext>
-            </a:extLst>
-          </p:cNvPr>
-          <p:cNvSpPr>
-            <a:spLocks noGrp="1"/>
-          </p:cNvSpPr>
-          <p:nvPr>
-            <p:ph type="title"/>
-          </p:nvPr>
-        </p:nvSpPr>
-        <p:spPr/>
-        <p:txBody>
-          <a:bodyPr/>
-          <a:lstStyle/>
-          <a:p>
-            <a:r>
-              <a:rPr lang="en-US" dirty="0"/>
-              <a:t>Recap</a:t>
-            </a:r>
-          </a:p>
-        </p:txBody>
-      </p:sp>
-    </p:spTree>
-    <p:extLst>
-      <p:ext uri="{BB962C8B-B14F-4D97-AF65-F5344CB8AC3E}">
-        <p14:creationId xmlns:p14="http://schemas.microsoft.com/office/powerpoint/2010/main" val="3439947165"/>
-      </p:ext>
-    </p:extLst>
-  </p:cSld>
-  <p:clrMapOvr>
-    <a:masterClrMapping/>
-  </p:clrMapOvr>
-</p:sld>
-</file>
-
-<file path=ppt/slides/slide20.xml><?xml version="1.0" encoding="utf-8"?>
-<p:sld xmlns:a="http://schemas.openxmlformats.org/drawingml/2006/main" xmlns:r="http://schemas.openxmlformats.org/officeDocument/2006/relationships" xmlns:p="http://schemas.openxmlformats.org/presentationml/2006/main">
-  <p:cSld>
-    <p:spTree>
-      <p:nvGrpSpPr>
-        <p:cNvPr id="1" name=""/>
-        <p:cNvGrpSpPr/>
-        <p:nvPr/>
-      </p:nvGrpSpPr>
-      <p:grpSpPr>
-        <a:xfrm>
-          <a:off x="0" y="0"/>
-          <a:ext cx="0" cy="0"/>
-          <a:chOff x="0" y="0"/>
-          <a:chExt cx="0" cy="0"/>
-        </a:xfrm>
-      </p:grpSpPr>
-      <mc:AlternateContent xmlns:mc="http://schemas.openxmlformats.org/markup-compatibility/2006">
-        <mc:Choice xmlns:a14="http://schemas.microsoft.com/office/drawing/2010/main" Requires="a14">
+      <mc:AlternateContent xmlns:mc="http://schemas.openxmlformats.org/markup-compatibility/2006" xmlns:a14="http://schemas.microsoft.com/office/drawing/2010/main">
+        <mc:Choice Requires="a14">
           <p:sp>
             <p:nvSpPr>
               <p:cNvPr id="2" name="Content Placeholder 1">
@@ -10399,7 +10078,7 @@
             </p:txBody>
           </p:sp>
         </mc:Choice>
-        <mc:Fallback>
+        <mc:Fallback xmlns="">
           <p:sp>
             <p:nvSpPr>
               <p:cNvPr id="2" name="Content Placeholder 1">
@@ -10468,6 +10147,476 @@
                 <a:latin typeface="Calibri"/>
               </a:rPr>
               <a:pPr/>
+              <a:t>19</a:t>
+            </a:fld>
+            <a:endParaRPr lang="en-US" sz="2000" dirty="0">
+              <a:solidFill>
+                <a:prstClr val="white"/>
+              </a:solidFill>
+              <a:latin typeface="Calibri"/>
+            </a:endParaRPr>
+          </a:p>
+        </p:txBody>
+      </p:sp>
+      <p:sp>
+        <p:nvSpPr>
+          <p:cNvPr id="4" name="Title 3">
+            <a:extLst>
+              <a:ext uri="{FF2B5EF4-FFF2-40B4-BE49-F238E27FC236}">
+                <a16:creationId xmlns:a16="http://schemas.microsoft.com/office/drawing/2014/main" id="{EEEE0126-48CC-4226-2CD9-69B3F17C52B9}"/>
+              </a:ext>
+            </a:extLst>
+          </p:cNvPr>
+          <p:cNvSpPr>
+            <a:spLocks noGrp="1"/>
+          </p:cNvSpPr>
+          <p:nvPr>
+            <p:ph type="title"/>
+          </p:nvPr>
+        </p:nvSpPr>
+        <p:spPr/>
+        <p:txBody>
+          <a:bodyPr/>
+          <a:lstStyle/>
+          <a:p>
+            <a:r>
+              <a:rPr lang="en-US" dirty="0"/>
+              <a:t>Learning Parameters for PPCA</a:t>
+            </a:r>
+          </a:p>
+        </p:txBody>
+      </p:sp>
+    </p:spTree>
+    <p:extLst>
+      <p:ext uri="{BB962C8B-B14F-4D97-AF65-F5344CB8AC3E}">
+        <p14:creationId xmlns:p14="http://schemas.microsoft.com/office/powerpoint/2010/main" val="1402006374"/>
+      </p:ext>
+    </p:extLst>
+  </p:cSld>
+  <p:clrMapOvr>
+    <a:masterClrMapping/>
+  </p:clrMapOvr>
+</p:sld>
+</file>
+
+<file path=ppt/slides/slide2.xml><?xml version="1.0" encoding="utf-8"?>
+<p:sld xmlns:a="http://schemas.openxmlformats.org/drawingml/2006/main" xmlns:r="http://schemas.openxmlformats.org/officeDocument/2006/relationships" xmlns:p="http://schemas.openxmlformats.org/presentationml/2006/main">
+  <p:cSld>
+    <p:spTree>
+      <p:nvGrpSpPr>
+        <p:cNvPr id="1" name=""/>
+        <p:cNvGrpSpPr/>
+        <p:nvPr/>
+      </p:nvGrpSpPr>
+      <p:grpSpPr>
+        <a:xfrm>
+          <a:off x="0" y="0"/>
+          <a:ext cx="0" cy="0"/>
+          <a:chOff x="0" y="0"/>
+          <a:chExt cx="0" cy="0"/>
+        </a:xfrm>
+      </p:grpSpPr>
+      <p:sp>
+        <p:nvSpPr>
+          <p:cNvPr id="2" name="Content Placeholder 1">
+            <a:extLst>
+              <a:ext uri="{FF2B5EF4-FFF2-40B4-BE49-F238E27FC236}">
+                <a16:creationId xmlns:a16="http://schemas.microsoft.com/office/drawing/2014/main" id="{E04B67FB-FB8D-A0AD-3D9D-B90E591F89D5}"/>
+              </a:ext>
+            </a:extLst>
+          </p:cNvPr>
+          <p:cNvSpPr>
+            <a:spLocks noGrp="1"/>
+          </p:cNvSpPr>
+          <p:nvPr>
+            <p:ph idx="1"/>
+          </p:nvPr>
+        </p:nvSpPr>
+        <p:spPr>
+          <a:solidFill>
+            <a:schemeClr val="accent6">
+              <a:lumMod val="40000"/>
+              <a:lumOff val="60000"/>
+            </a:schemeClr>
+          </a:solidFill>
+        </p:spPr>
+        <p:txBody>
+          <a:bodyPr/>
+          <a:lstStyle/>
+          <a:p>
+            <a:r>
+              <a:rPr lang="en-US" dirty="0"/>
+              <a:t>Bayesian networks: </a:t>
+            </a:r>
+          </a:p>
+          <a:p>
+            <a:pPr lvl="1"/>
+            <a:r>
+              <a:rPr lang="en-US" dirty="0"/>
+              <a:t>Directed acyclic graph</a:t>
+            </a:r>
+          </a:p>
+          <a:p>
+            <a:pPr lvl="1"/>
+            <a:r>
+              <a:rPr lang="en-US" dirty="0"/>
+              <a:t>Nodes are random variables</a:t>
+            </a:r>
+          </a:p>
+          <a:p>
+            <a:pPr lvl="1"/>
+            <a:r>
+              <a:rPr lang="en-US" dirty="0"/>
+              <a:t>arcs are probabilistic dependencies</a:t>
+            </a:r>
+          </a:p>
+          <a:p>
+            <a:r>
+              <a:rPr lang="en-US" dirty="0"/>
+              <a:t>Examine dependence of two variables given observation: d-separation</a:t>
+            </a:r>
+          </a:p>
+        </p:txBody>
+      </p:sp>
+      <p:sp>
+        <p:nvSpPr>
+          <p:cNvPr id="3" name="Slide Number Placeholder 2">
+            <a:extLst>
+              <a:ext uri="{FF2B5EF4-FFF2-40B4-BE49-F238E27FC236}">
+                <a16:creationId xmlns:a16="http://schemas.microsoft.com/office/drawing/2014/main" id="{540A3FC1-8253-A2D0-FC4F-50319B86251C}"/>
+              </a:ext>
+            </a:extLst>
+          </p:cNvPr>
+          <p:cNvSpPr>
+            <a:spLocks noGrp="1"/>
+          </p:cNvSpPr>
+          <p:nvPr>
+            <p:ph type="sldNum" sz="quarter" idx="12"/>
+          </p:nvPr>
+        </p:nvSpPr>
+        <p:spPr/>
+        <p:txBody>
+          <a:bodyPr/>
+          <a:lstStyle/>
+          <a:p>
+            <a:fld id="{96652B35-718D-4E28-AFEB-B694A3B357E8}" type="slidenum">
+              <a:rPr lang="en-US" smtClean="0">
+                <a:solidFill>
+                  <a:prstClr val="black"/>
+                </a:solidFill>
+                <a:latin typeface="Calibri"/>
+              </a:rPr>
+              <a:pPr/>
+              <a:t>2</a:t>
+            </a:fld>
+            <a:endParaRPr lang="en-US" sz="2000" dirty="0">
+              <a:solidFill>
+                <a:prstClr val="white"/>
+              </a:solidFill>
+              <a:latin typeface="Calibri"/>
+            </a:endParaRPr>
+          </a:p>
+        </p:txBody>
+      </p:sp>
+      <p:sp>
+        <p:nvSpPr>
+          <p:cNvPr id="4" name="Title 3">
+            <a:extLst>
+              <a:ext uri="{FF2B5EF4-FFF2-40B4-BE49-F238E27FC236}">
+                <a16:creationId xmlns:a16="http://schemas.microsoft.com/office/drawing/2014/main" id="{96FD6CAA-7238-6161-CD0F-67FCBDFFCAEB}"/>
+              </a:ext>
+            </a:extLst>
+          </p:cNvPr>
+          <p:cNvSpPr>
+            <a:spLocks noGrp="1"/>
+          </p:cNvSpPr>
+          <p:nvPr>
+            <p:ph type="title"/>
+          </p:nvPr>
+        </p:nvSpPr>
+        <p:spPr/>
+        <p:txBody>
+          <a:bodyPr/>
+          <a:lstStyle/>
+          <a:p>
+            <a:r>
+              <a:rPr lang="en-US" dirty="0"/>
+              <a:t>Recap</a:t>
+            </a:r>
+          </a:p>
+        </p:txBody>
+      </p:sp>
+    </p:spTree>
+    <p:extLst>
+      <p:ext uri="{BB962C8B-B14F-4D97-AF65-F5344CB8AC3E}">
+        <p14:creationId xmlns:p14="http://schemas.microsoft.com/office/powerpoint/2010/main" val="3439947165"/>
+      </p:ext>
+    </p:extLst>
+  </p:cSld>
+  <p:clrMapOvr>
+    <a:masterClrMapping/>
+  </p:clrMapOvr>
+</p:sld>
+</file>
+
+<file path=ppt/slides/slide20.xml><?xml version="1.0" encoding="utf-8"?>
+<p:sld xmlns:a="http://schemas.openxmlformats.org/drawingml/2006/main" xmlns:r="http://schemas.openxmlformats.org/officeDocument/2006/relationships" xmlns:p="http://schemas.openxmlformats.org/presentationml/2006/main">
+  <p:cSld>
+    <p:spTree>
+      <p:nvGrpSpPr>
+        <p:cNvPr id="1" name=""/>
+        <p:cNvGrpSpPr/>
+        <p:nvPr/>
+      </p:nvGrpSpPr>
+      <p:grpSpPr>
+        <a:xfrm>
+          <a:off x="0" y="0"/>
+          <a:ext cx="0" cy="0"/>
+          <a:chOff x="0" y="0"/>
+          <a:chExt cx="0" cy="0"/>
+        </a:xfrm>
+      </p:grpSpPr>
+      <mc:AlternateContent xmlns:mc="http://schemas.openxmlformats.org/markup-compatibility/2006" xmlns:a14="http://schemas.microsoft.com/office/drawing/2010/main">
+        <mc:Choice Requires="a14">
+          <p:sp>
+            <p:nvSpPr>
+              <p:cNvPr id="2" name="Content Placeholder 1">
+                <a:extLst>
+                  <a:ext uri="{FF2B5EF4-FFF2-40B4-BE49-F238E27FC236}">
+                    <a16:creationId xmlns:a16="http://schemas.microsoft.com/office/drawing/2014/main" id="{8737219F-8D5A-EDB1-8AC7-BD7744594513}"/>
+                  </a:ext>
+                </a:extLst>
+              </p:cNvPr>
+              <p:cNvSpPr>
+                <a:spLocks noGrp="1"/>
+              </p:cNvSpPr>
+              <p:nvPr>
+                <p:ph idx="1"/>
+              </p:nvPr>
+            </p:nvSpPr>
+            <p:spPr/>
+            <p:txBody>
+              <a:bodyPr/>
+              <a:lstStyle/>
+              <a:p>
+                <a14:m>
+                  <m:oMath xmlns:m="http://schemas.openxmlformats.org/officeDocument/2006/math">
+                    <m:r>
+                      <a:rPr lang="en-US" b="0" i="1" smtClean="0">
+                        <a:latin typeface="Cambria Math" panose="02040503050406030204" pitchFamily="18" charset="0"/>
+                      </a:rPr>
+                      <m:t>𝐿</m:t>
+                    </m:r>
+                    <m:d>
+                      <m:dPr>
+                        <m:ctrlPr>
+                          <a:rPr lang="en-US" b="0" i="1" smtClean="0">
+                            <a:latin typeface="Cambria Math" panose="02040503050406030204" pitchFamily="18" charset="0"/>
+                          </a:rPr>
+                        </m:ctrlPr>
+                      </m:dPr>
+                      <m:e>
+                        <m:r>
+                          <a:rPr lang="en-US" b="0" i="1" smtClean="0">
+                            <a:latin typeface="Cambria Math" panose="02040503050406030204" pitchFamily="18" charset="0"/>
+                          </a:rPr>
+                          <m:t>𝜃</m:t>
+                        </m:r>
+                      </m:e>
+                    </m:d>
+                    <m:r>
+                      <a:rPr lang="en-US" b="0" i="1" smtClean="0">
+                        <a:latin typeface="Cambria Math" panose="02040503050406030204" pitchFamily="18" charset="0"/>
+                      </a:rPr>
+                      <m:t>=</m:t>
+                    </m:r>
+                    <m:func>
+                      <m:funcPr>
+                        <m:ctrlPr>
+                          <a:rPr lang="en-US" b="0" i="1" smtClean="0">
+                            <a:latin typeface="Cambria Math" panose="02040503050406030204" pitchFamily="18" charset="0"/>
+                          </a:rPr>
+                        </m:ctrlPr>
+                      </m:funcPr>
+                      <m:fName>
+                        <m:r>
+                          <m:rPr>
+                            <m:sty m:val="p"/>
+                          </m:rPr>
+                          <a:rPr lang="en-US" b="0" i="0" smtClean="0">
+                            <a:latin typeface="Cambria Math" panose="02040503050406030204" pitchFamily="18" charset="0"/>
+                          </a:rPr>
+                          <m:t>log</m:t>
+                        </m:r>
+                      </m:fName>
+                      <m:e>
+                        <m:r>
+                          <a:rPr lang="en-US" i="1">
+                            <a:latin typeface="Cambria Math" panose="02040503050406030204" pitchFamily="18" charset="0"/>
+                          </a:rPr>
+                          <m:t>𝑝</m:t>
+                        </m:r>
+                        <m:r>
+                          <a:rPr lang="en-US" i="1">
+                            <a:latin typeface="Cambria Math" panose="02040503050406030204" pitchFamily="18" charset="0"/>
+                          </a:rPr>
+                          <m:t>(</m:t>
+                        </m:r>
+                        <m:r>
+                          <a:rPr lang="en-US" i="1">
+                            <a:latin typeface="Cambria Math" panose="02040503050406030204" pitchFamily="18" charset="0"/>
+                          </a:rPr>
+                          <m:t>𝑋</m:t>
+                        </m:r>
+                        <m:r>
+                          <a:rPr lang="en-US" i="1">
+                            <a:latin typeface="Cambria Math" panose="02040503050406030204" pitchFamily="18" charset="0"/>
+                          </a:rPr>
+                          <m:t>;</m:t>
+                        </m:r>
+                        <m:r>
+                          <a:rPr lang="en-US" i="1">
+                            <a:latin typeface="Cambria Math" panose="02040503050406030204" pitchFamily="18" charset="0"/>
+                          </a:rPr>
+                          <m:t>𝜃</m:t>
+                        </m:r>
+                        <m:r>
+                          <a:rPr lang="en-US" i="1">
+                            <a:latin typeface="Cambria Math" panose="02040503050406030204" pitchFamily="18" charset="0"/>
+                          </a:rPr>
+                          <m:t>)</m:t>
+                        </m:r>
+                      </m:e>
+                    </m:func>
+                  </m:oMath>
+                </a14:m>
+                <a:endParaRPr lang="en-US" dirty="0"/>
+              </a:p>
+              <a:p>
+                <a:r>
+                  <a:rPr lang="en-US" dirty="0"/>
+                  <a:t>Introduce a variational distribution </a:t>
+                </a:r>
+                <a14:m>
+                  <m:oMath xmlns:m="http://schemas.openxmlformats.org/officeDocument/2006/math">
+                    <m:r>
+                      <a:rPr lang="en-US" b="0" i="1" smtClean="0">
+                        <a:latin typeface="Cambria Math" panose="02040503050406030204" pitchFamily="18" charset="0"/>
+                      </a:rPr>
+                      <m:t>𝑞</m:t>
+                    </m:r>
+                    <m:r>
+                      <a:rPr lang="en-US" b="0" i="1" smtClean="0">
+                        <a:latin typeface="Cambria Math" panose="02040503050406030204" pitchFamily="18" charset="0"/>
+                      </a:rPr>
+                      <m:t>(</m:t>
+                    </m:r>
+                    <m:r>
+                      <a:rPr lang="en-US" b="0" i="1" smtClean="0">
+                        <a:latin typeface="Cambria Math" panose="02040503050406030204" pitchFamily="18" charset="0"/>
+                      </a:rPr>
+                      <m:t>𝑋</m:t>
+                    </m:r>
+                    <m:r>
+                      <a:rPr lang="en-US" b="0" i="1" smtClean="0">
+                        <a:latin typeface="Cambria Math" panose="02040503050406030204" pitchFamily="18" charset="0"/>
+                      </a:rPr>
+                      <m:t>;</m:t>
+                    </m:r>
+                    <m:r>
+                      <a:rPr lang="en-US" b="0" i="1" smtClean="0">
+                        <a:latin typeface="Cambria Math" panose="02040503050406030204" pitchFamily="18" charset="0"/>
+                      </a:rPr>
+                      <m:t>𝜙</m:t>
+                    </m:r>
+                    <m:r>
+                      <a:rPr lang="en-US" b="0" i="1" smtClean="0">
+                        <a:latin typeface="Cambria Math" panose="02040503050406030204" pitchFamily="18" charset="0"/>
+                      </a:rPr>
+                      <m:t>)</m:t>
+                    </m:r>
+                  </m:oMath>
+                </a14:m>
+                <a:endParaRPr lang="en-US" dirty="0"/>
+              </a:p>
+              <a:p>
+                <a:r>
+                  <a:rPr lang="en-US" dirty="0"/>
+                  <a:t>Variational bound for this data likelihood</a:t>
+                </a:r>
+              </a:p>
+            </p:txBody>
+          </p:sp>
+        </mc:Choice>
+        <mc:Fallback xmlns="">
+          <p:sp>
+            <p:nvSpPr>
+              <p:cNvPr id="2" name="Content Placeholder 1">
+                <a:extLst>
+                  <a:ext uri="{FF2B5EF4-FFF2-40B4-BE49-F238E27FC236}">
+                    <a16:creationId xmlns:a16="http://schemas.microsoft.com/office/drawing/2014/main" id="{8737219F-8D5A-EDB1-8AC7-BD7744594513}"/>
+                  </a:ext>
+                </a:extLst>
+              </p:cNvPr>
+              <p:cNvSpPr>
+                <a:spLocks noGrp="1" noRot="1" noChangeAspect="1" noMove="1" noResize="1" noEditPoints="1" noAdjustHandles="1" noChangeArrowheads="1" noChangeShapeType="1" noTextEdit="1"/>
+              </p:cNvSpPr>
+              <p:nvPr>
+                <p:ph idx="1"/>
+              </p:nvPr>
+            </p:nvSpPr>
+            <p:spPr>
+              <a:blipFill>
+                <a:blip r:embed="rId2"/>
+                <a:stretch>
+                  <a:fillRect l="-1852"/>
+                </a:stretch>
+              </a:blipFill>
+            </p:spPr>
+            <p:txBody>
+              <a:bodyPr/>
+              <a:lstStyle/>
+              <a:p>
+                <a:r>
+                  <a:rPr lang="en-US">
+                    <a:noFill/>
+                  </a:rPr>
+                  <a:t> </a:t>
+                </a:r>
+              </a:p>
+            </p:txBody>
+          </p:sp>
+        </mc:Fallback>
+      </mc:AlternateContent>
+      <p:sp>
+        <p:nvSpPr>
+          <p:cNvPr id="3" name="Slide Number Placeholder 2">
+            <a:extLst>
+              <a:ext uri="{FF2B5EF4-FFF2-40B4-BE49-F238E27FC236}">
+                <a16:creationId xmlns:a16="http://schemas.microsoft.com/office/drawing/2014/main" id="{BD43AFE0-7AD9-FEFB-7A2F-BDF7DFBA1386}"/>
+              </a:ext>
+            </a:extLst>
+          </p:cNvPr>
+          <p:cNvSpPr>
+            <a:spLocks noGrp="1"/>
+          </p:cNvSpPr>
+          <p:nvPr>
+            <p:ph type="sldNum" sz="quarter" idx="12"/>
+          </p:nvPr>
+        </p:nvSpPr>
+        <p:spPr/>
+        <p:txBody>
+          <a:bodyPr/>
+          <a:lstStyle/>
+          <a:p>
+            <a:fld id="{96652B35-718D-4E28-AFEB-B694A3B357E8}" type="slidenum">
+              <a:rPr lang="en-US" smtClean="0">
+                <a:solidFill>
+                  <a:prstClr val="black"/>
+                </a:solidFill>
+                <a:latin typeface="Calibri"/>
+              </a:rPr>
+              <a:pPr/>
               <a:t>20</a:t>
             </a:fld>
             <a:endParaRPr lang="en-US" sz="2000" dirty="0">
@@ -10484,7 +10633,7 @@
           <p:cNvPr id="4" name="Title 3">
             <a:extLst>
               <a:ext uri="{FF2B5EF4-FFF2-40B4-BE49-F238E27FC236}">
-                <a16:creationId xmlns:a16="http://schemas.microsoft.com/office/drawing/2014/main" id="{EEEE0126-48CC-4226-2CD9-69B3F17C52B9}"/>
+                <a16:creationId xmlns:a16="http://schemas.microsoft.com/office/drawing/2014/main" id="{11272D0C-7CC7-CDDC-30AA-674E138678E9}"/>
               </a:ext>
             </a:extLst>
           </p:cNvPr>
@@ -10502,7 +10651,7 @@
           <a:p>
             <a:r>
               <a:rPr lang="en-US" dirty="0"/>
-              <a:t>Learning Parameters for PPCA</a:t>
+              <a:t>A Variational View of EM</a:t>
             </a:r>
           </a:p>
         </p:txBody>
@@ -10510,7 +10659,7 @@
     </p:spTree>
     <p:extLst>
       <p:ext uri="{BB962C8B-B14F-4D97-AF65-F5344CB8AC3E}">
-        <p14:creationId xmlns:p14="http://schemas.microsoft.com/office/powerpoint/2010/main" val="1402006374"/>
+        <p14:creationId xmlns:p14="http://schemas.microsoft.com/office/powerpoint/2010/main" val="1374012134"/>
       </p:ext>
     </p:extLst>
   </p:cSld>
@@ -10539,66 +10688,10 @@
       </p:grpSpPr>
       <p:sp>
         <p:nvSpPr>
-          <p:cNvPr id="2" name="Content Placeholder 1">
-            <a:extLst>
-              <a:ext uri="{FF2B5EF4-FFF2-40B4-BE49-F238E27FC236}">
-                <a16:creationId xmlns:a16="http://schemas.microsoft.com/office/drawing/2014/main" id="{FD51CC4F-91E8-597D-54A6-CF067966AB0C}"/>
-              </a:ext>
-            </a:extLst>
-          </p:cNvPr>
-          <p:cNvSpPr>
-            <a:spLocks noGrp="1"/>
-          </p:cNvSpPr>
-          <p:nvPr>
-            <p:ph idx="1"/>
-          </p:nvPr>
-        </p:nvSpPr>
-        <p:spPr/>
-        <p:txBody>
-          <a:bodyPr/>
-          <a:lstStyle/>
-          <a:p>
-            <a:r>
-              <a:rPr lang="en-US" dirty="0"/>
-              <a:t>What about non-IID data / sequential data</a:t>
-            </a:r>
-          </a:p>
-          <a:p>
-            <a:r>
-              <a:rPr lang="en-US" dirty="0"/>
-              <a:t>Markov assumption</a:t>
-            </a:r>
-          </a:p>
-          <a:p>
-            <a:endParaRPr lang="en-US" dirty="0"/>
-          </a:p>
-          <a:p>
-            <a:r>
-              <a:rPr lang="en-US" dirty="0"/>
-              <a:t>GMM =&gt; Sequential =&gt; HMM</a:t>
-            </a:r>
-          </a:p>
-          <a:p>
-            <a:r>
-              <a:rPr lang="en-US" dirty="0"/>
-              <a:t>PPCA </a:t>
-            </a:r>
-            <a:r>
-              <a:rPr lang="en-US" dirty="0">
-                <a:sym typeface="Wingdings" pitchFamily="2" charset="2"/>
-              </a:rPr>
-              <a:t> Sequential  LDS</a:t>
-            </a:r>
-            <a:endParaRPr lang="en-US" dirty="0"/>
-          </a:p>
-        </p:txBody>
-      </p:sp>
-      <p:sp>
-        <p:nvSpPr>
           <p:cNvPr id="3" name="Slide Number Placeholder 2">
             <a:extLst>
               <a:ext uri="{FF2B5EF4-FFF2-40B4-BE49-F238E27FC236}">
-                <a16:creationId xmlns:a16="http://schemas.microsoft.com/office/drawing/2014/main" id="{BB9CB7AC-0FEA-7D0D-953A-AF8D637DA7A0}"/>
+                <a16:creationId xmlns:a16="http://schemas.microsoft.com/office/drawing/2014/main" id="{1D8F36D9-12AB-31CE-90F4-126B2178B495}"/>
               </a:ext>
             </a:extLst>
           </p:cNvPr>
@@ -10638,7 +10731,7 @@
           <p:cNvPr id="4" name="Title 3">
             <a:extLst>
               <a:ext uri="{FF2B5EF4-FFF2-40B4-BE49-F238E27FC236}">
-                <a16:creationId xmlns:a16="http://schemas.microsoft.com/office/drawing/2014/main" id="{151A7FE2-D7E0-4FE5-61C8-B9663C45CC98}"/>
+                <a16:creationId xmlns:a16="http://schemas.microsoft.com/office/drawing/2014/main" id="{50F471D3-7A75-FE15-3FF6-4807B7E67A60}"/>
               </a:ext>
             </a:extLst>
           </p:cNvPr>
@@ -10651,14 +10744,321 @@
         </p:nvSpPr>
         <p:spPr/>
         <p:txBody>
-          <a:bodyPr>
-            <a:normAutofit/>
+          <a:bodyPr/>
+          <a:lstStyle/>
+          <a:p>
+            <a:r>
+              <a:rPr lang="en-US" dirty="0"/>
+              <a:t>What does EM actually do?</a:t>
+            </a:r>
+          </a:p>
+        </p:txBody>
+      </p:sp>
+      <p:pic>
+        <p:nvPicPr>
+          <p:cNvPr id="6" name="Picture 5">
+            <a:extLst>
+              <a:ext uri="{FF2B5EF4-FFF2-40B4-BE49-F238E27FC236}">
+                <a16:creationId xmlns:a16="http://schemas.microsoft.com/office/drawing/2014/main" id="{885D8A7D-2C34-C975-93FC-D74E067D2660}"/>
+              </a:ext>
+            </a:extLst>
+          </p:cNvPr>
+          <p:cNvPicPr>
+            <a:picLocks noChangeAspect="1"/>
+          </p:cNvPicPr>
+          <p:nvPr/>
+        </p:nvPicPr>
+        <p:blipFill>
+          <a:blip r:embed="rId2"/>
+          <a:stretch>
+            <a:fillRect/>
+          </a:stretch>
+        </p:blipFill>
+        <p:spPr>
+          <a:xfrm>
+            <a:off x="2560176" y="1498553"/>
+            <a:ext cx="6583824" cy="4760611"/>
+          </a:xfrm>
+          <a:prstGeom prst="rect">
+            <a:avLst/>
+          </a:prstGeom>
+        </p:spPr>
+      </p:pic>
+      <p:cxnSp>
+        <p:nvCxnSpPr>
+          <p:cNvPr id="8" name="Straight Connector 7">
+            <a:extLst>
+              <a:ext uri="{FF2B5EF4-FFF2-40B4-BE49-F238E27FC236}">
+                <a16:creationId xmlns:a16="http://schemas.microsoft.com/office/drawing/2014/main" id="{EF05D821-E347-46E4-4CE8-3DC63021CAF6}"/>
+              </a:ext>
+            </a:extLst>
+          </p:cNvPr>
+          <p:cNvCxnSpPr/>
+          <p:nvPr/>
+        </p:nvCxnSpPr>
+        <p:spPr bwMode="auto">
+          <a:xfrm flipH="1">
+            <a:off x="609600" y="2581835"/>
+            <a:ext cx="4554071" cy="0"/>
+          </a:xfrm>
+          <a:prstGeom prst="line">
+            <a:avLst/>
+          </a:prstGeom>
+          <a:solidFill>
+            <a:schemeClr val="accent1"/>
+          </a:solidFill>
+          <a:ln w="25400" cap="flat" cmpd="sng" algn="ctr">
+            <a:solidFill>
+              <a:schemeClr val="accent4"/>
+            </a:solidFill>
+            <a:prstDash val="solid"/>
+            <a:round/>
+            <a:headEnd type="none" w="med" len="med"/>
+            <a:tailEnd type="none"/>
+          </a:ln>
+          <a:effectLst/>
+        </p:spPr>
+      </p:cxnSp>
+      <p:cxnSp>
+        <p:nvCxnSpPr>
+          <p:cNvPr id="9" name="Straight Connector 8">
+            <a:extLst>
+              <a:ext uri="{FF2B5EF4-FFF2-40B4-BE49-F238E27FC236}">
+                <a16:creationId xmlns:a16="http://schemas.microsoft.com/office/drawing/2014/main" id="{7626A836-65A6-FF36-B564-CC2339306266}"/>
+              </a:ext>
+            </a:extLst>
+          </p:cNvPr>
+          <p:cNvCxnSpPr/>
+          <p:nvPr/>
+        </p:nvCxnSpPr>
+        <p:spPr bwMode="auto">
+          <a:xfrm flipH="1">
+            <a:off x="609600" y="2949388"/>
+            <a:ext cx="4554071" cy="0"/>
+          </a:xfrm>
+          <a:prstGeom prst="line">
+            <a:avLst/>
+          </a:prstGeom>
+          <a:solidFill>
+            <a:schemeClr val="accent1"/>
+          </a:solidFill>
+          <a:ln w="25400" cap="flat" cmpd="sng" algn="ctr">
+            <a:solidFill>
+              <a:schemeClr val="accent4"/>
+            </a:solidFill>
+            <a:prstDash val="solid"/>
+            <a:round/>
+            <a:headEnd type="none" w="med" len="med"/>
+            <a:tailEnd type="none"/>
+          </a:ln>
+          <a:effectLst/>
+        </p:spPr>
+      </p:cxnSp>
+      <mc:AlternateContent xmlns:mc="http://schemas.openxmlformats.org/markup-compatibility/2006" xmlns:a14="http://schemas.microsoft.com/office/drawing/2010/main">
+        <mc:Choice Requires="a14">
+          <p:sp>
+            <p:nvSpPr>
+              <p:cNvPr id="10" name="TextBox 9">
+                <a:extLst>
+                  <a:ext uri="{FF2B5EF4-FFF2-40B4-BE49-F238E27FC236}">
+                    <a16:creationId xmlns:a16="http://schemas.microsoft.com/office/drawing/2014/main" id="{9C3D6BEE-D91E-2951-4E26-0D5873C4EC30}"/>
+                  </a:ext>
+                </a:extLst>
+              </p:cNvPr>
+              <p:cNvSpPr txBox="1"/>
+              <p:nvPr/>
+            </p:nvSpPr>
+            <p:spPr>
+              <a:xfrm>
+                <a:off x="0" y="2529857"/>
+                <a:ext cx="2540375" cy="509178"/>
+              </a:xfrm>
+              <a:prstGeom prst="rect">
+                <a:avLst/>
+              </a:prstGeom>
+              <a:noFill/>
+            </p:spPr>
+            <p:txBody>
+              <a:bodyPr wrap="none" rtlCol="0">
+                <a:spAutoFit/>
+              </a:bodyPr>
+              <a:lstStyle/>
+              <a:p>
+                <a:pPr/>
+                <a14:m>
+                  <m:oMathPara xmlns:m="http://schemas.openxmlformats.org/officeDocument/2006/math">
+                    <m:oMathParaPr>
+                      <m:jc m:val="centerGroup"/>
+                    </m:oMathParaPr>
+                    <m:oMath xmlns:m="http://schemas.openxmlformats.org/officeDocument/2006/math">
+                      <m:r>
+                        <a:rPr lang="en-US" sz="2400" b="0" i="1" smtClean="0">
+                          <a:latin typeface="Cambria Math" panose="02040503050406030204" pitchFamily="18" charset="0"/>
+                        </a:rPr>
+                        <m:t>𝐾𝐿</m:t>
+                      </m:r>
+                      <m:r>
+                        <a:rPr lang="en-US" sz="2400" b="0" i="1" smtClean="0">
+                          <a:latin typeface="Cambria Math" panose="02040503050406030204" pitchFamily="18" charset="0"/>
+                        </a:rPr>
+                        <m:t>(</m:t>
+                      </m:r>
+                      <m:r>
+                        <a:rPr lang="en-US" sz="2400" b="0" i="1" smtClean="0">
+                          <a:latin typeface="Cambria Math" panose="02040503050406030204" pitchFamily="18" charset="0"/>
+                        </a:rPr>
+                        <m:t>𝑞</m:t>
+                      </m:r>
+                      <m:d>
+                        <m:dPr>
+                          <m:ctrlPr>
+                            <a:rPr lang="en-US" sz="2400" b="0" i="1" smtClean="0">
+                              <a:latin typeface="Cambria Math" panose="02040503050406030204" pitchFamily="18" charset="0"/>
+                            </a:rPr>
+                          </m:ctrlPr>
+                        </m:dPr>
+                        <m:e>
+                          <m:r>
+                            <a:rPr lang="en-US" sz="2400" b="0" i="1" smtClean="0">
+                              <a:latin typeface="Cambria Math" panose="02040503050406030204" pitchFamily="18" charset="0"/>
+                            </a:rPr>
+                            <m:t>𝑧</m:t>
+                          </m:r>
+                        </m:e>
+                      </m:d>
+                      <m:r>
+                        <a:rPr lang="en-US" sz="2400" b="0" i="1" smtClean="0">
+                          <a:latin typeface="Cambria Math" panose="02040503050406030204" pitchFamily="18" charset="0"/>
+                        </a:rPr>
+                        <m:t>|</m:t>
+                      </m:r>
+                      <m:d>
+                        <m:dPr>
+                          <m:begChr m:val="|"/>
+                          <m:ctrlPr>
+                            <a:rPr lang="en-US" sz="2400" b="0" i="1" smtClean="0">
+                              <a:latin typeface="Cambria Math" panose="02040503050406030204" pitchFamily="18" charset="0"/>
+                            </a:rPr>
+                          </m:ctrlPr>
+                        </m:dPr>
+                        <m:e>
+                          <m:r>
+                            <a:rPr lang="en-US" sz="2400" b="0" i="1" smtClean="0">
+                              <a:latin typeface="Cambria Math" panose="02040503050406030204" pitchFamily="18" charset="0"/>
+                            </a:rPr>
+                            <m:t>𝑝</m:t>
+                          </m:r>
+                          <m:d>
+                            <m:dPr>
+                              <m:ctrlPr>
+                                <a:rPr lang="en-US" sz="2400" b="0" i="1" smtClean="0">
+                                  <a:latin typeface="Cambria Math" panose="02040503050406030204" pitchFamily="18" charset="0"/>
+                                </a:rPr>
+                              </m:ctrlPr>
+                            </m:dPr>
+                            <m:e>
+                              <m:r>
+                                <a:rPr lang="en-US" sz="2400" b="0" i="1" smtClean="0">
+                                  <a:latin typeface="Cambria Math" panose="02040503050406030204" pitchFamily="18" charset="0"/>
+                                </a:rPr>
+                                <m:t>𝑧</m:t>
+                              </m:r>
+                            </m:e>
+                            <m:e>
+                              <m:r>
+                                <a:rPr lang="en-US" sz="2400" b="0" i="1" smtClean="0">
+                                  <a:latin typeface="Cambria Math" panose="02040503050406030204" pitchFamily="18" charset="0"/>
+                                </a:rPr>
+                                <m:t>𝑥</m:t>
+                              </m:r>
+                            </m:e>
+                          </m:d>
+                        </m:e>
+                      </m:d>
+                    </m:oMath>
+                  </m:oMathPara>
+                </a14:m>
+                <a:endParaRPr lang="en-US" sz="2400" dirty="0"/>
+              </a:p>
+            </p:txBody>
+          </p:sp>
+        </mc:Choice>
+        <mc:Fallback xmlns="">
+          <p:sp>
+            <p:nvSpPr>
+              <p:cNvPr id="10" name="TextBox 9">
+                <a:extLst>
+                  <a:ext uri="{FF2B5EF4-FFF2-40B4-BE49-F238E27FC236}">
+                    <a16:creationId xmlns:a16="http://schemas.microsoft.com/office/drawing/2014/main" id="{9C3D6BEE-D91E-2951-4E26-0D5873C4EC30}"/>
+                  </a:ext>
+                </a:extLst>
+              </p:cNvPr>
+              <p:cNvSpPr txBox="1">
+                <a:spLocks noRot="1" noChangeAspect="1" noMove="1" noResize="1" noEditPoints="1" noAdjustHandles="1" noChangeArrowheads="1" noChangeShapeType="1" noTextEdit="1"/>
+              </p:cNvSpPr>
+              <p:nvPr/>
+            </p:nvSpPr>
+            <p:spPr>
+              <a:xfrm>
+                <a:off x="0" y="2529857"/>
+                <a:ext cx="2540375" cy="509178"/>
+              </a:xfrm>
+              <a:prstGeom prst="rect">
+                <a:avLst/>
+              </a:prstGeom>
+              <a:blipFill>
+                <a:blip r:embed="rId3"/>
+                <a:stretch>
+                  <a:fillRect b="-9756"/>
+                </a:stretch>
+              </a:blipFill>
+            </p:spPr>
+            <p:txBody>
+              <a:bodyPr/>
+              <a:lstStyle/>
+              <a:p>
+                <a:r>
+                  <a:rPr lang="en-US">
+                    <a:noFill/>
+                  </a:rPr>
+                  <a:t> </a:t>
+                </a:r>
+              </a:p>
+            </p:txBody>
+          </p:sp>
+        </mc:Fallback>
+      </mc:AlternateContent>
+      <p:sp>
+        <p:nvSpPr>
+          <p:cNvPr id="11" name="TextBox 10">
+            <a:extLst>
+              <a:ext uri="{FF2B5EF4-FFF2-40B4-BE49-F238E27FC236}">
+                <a16:creationId xmlns:a16="http://schemas.microsoft.com/office/drawing/2014/main" id="{8541FEC4-BF4E-D75A-228D-A4268727581C}"/>
+              </a:ext>
+            </a:extLst>
+          </p:cNvPr>
+          <p:cNvSpPr txBox="1"/>
+          <p:nvPr/>
+        </p:nvSpPr>
+        <p:spPr>
+          <a:xfrm>
+            <a:off x="270716" y="1107088"/>
+            <a:ext cx="3349122" cy="461665"/>
+          </a:xfrm>
+          <a:prstGeom prst="rect">
+            <a:avLst/>
+          </a:prstGeom>
+          <a:noFill/>
+        </p:spPr>
+        <p:txBody>
+          <a:bodyPr wrap="none" rtlCol="0">
+            <a:spAutoFit/>
           </a:bodyPr>
           <a:lstStyle/>
           <a:p>
             <a:r>
-              <a:rPr lang="en-US" dirty="0"/>
-              <a:t>Dynamic Bayesian Networks</a:t>
+              <a:rPr lang="en-US" sz="2400" dirty="0"/>
+              <a:t>EM is coordinate-descent</a:t>
             </a:r>
           </a:p>
         </p:txBody>
@@ -10666,7 +11066,7 @@
     </p:spTree>
     <p:extLst>
       <p:ext uri="{BB962C8B-B14F-4D97-AF65-F5344CB8AC3E}">
-        <p14:creationId xmlns:p14="http://schemas.microsoft.com/office/powerpoint/2010/main" val="966437331"/>
+        <p14:creationId xmlns:p14="http://schemas.microsoft.com/office/powerpoint/2010/main" val="4100094474"/>
       </p:ext>
     </p:extLst>
   </p:cSld>
@@ -10695,10 +11095,79 @@
       </p:grpSpPr>
       <p:sp>
         <p:nvSpPr>
+          <p:cNvPr id="2" name="Content Placeholder 1">
+            <a:extLst>
+              <a:ext uri="{FF2B5EF4-FFF2-40B4-BE49-F238E27FC236}">
+                <a16:creationId xmlns:a16="http://schemas.microsoft.com/office/drawing/2014/main" id="{EAD082AC-E7B2-85BD-3403-DB5817FFF874}"/>
+              </a:ext>
+            </a:extLst>
+          </p:cNvPr>
+          <p:cNvSpPr>
+            <a:spLocks noGrp="1"/>
+          </p:cNvSpPr>
+          <p:nvPr>
+            <p:ph idx="1"/>
+          </p:nvPr>
+        </p:nvSpPr>
+        <p:spPr>
+          <a:solidFill>
+            <a:schemeClr val="accent6">
+              <a:lumMod val="40000"/>
+              <a:lumOff val="60000"/>
+            </a:schemeClr>
+          </a:solidFill>
+        </p:spPr>
+        <p:txBody>
+          <a:bodyPr>
+            <a:normAutofit fontScale="92500" lnSpcReduction="10000"/>
+          </a:bodyPr>
+          <a:lstStyle/>
+          <a:p>
+            <a:r>
+              <a:rPr lang="en-US" dirty="0"/>
+              <a:t>Mixture Distribution: to build more complex distribution from simple ones</a:t>
+            </a:r>
+          </a:p>
+          <a:p>
+            <a:r>
+              <a:rPr lang="en-US" dirty="0"/>
+              <a:t>Gaussian Mixture Model: k Gaussian components</a:t>
+            </a:r>
+          </a:p>
+          <a:p>
+            <a:r>
+              <a:rPr lang="en-US" dirty="0"/>
+              <a:t>Expectation-Maximization: general for graphical models with latent variables</a:t>
+            </a:r>
+          </a:p>
+          <a:p>
+            <a:pPr lvl="1"/>
+            <a:r>
+              <a:rPr lang="en-US" dirty="0"/>
+              <a:t>E-step: fix parameter, estimate posterior mean/variance</a:t>
+            </a:r>
+          </a:p>
+          <a:p>
+            <a:pPr lvl="1"/>
+            <a:r>
+              <a:rPr lang="en-US" dirty="0"/>
+              <a:t>M-step: update parameter </a:t>
+            </a:r>
+          </a:p>
+          <a:p>
+            <a:r>
+              <a:rPr lang="en-US" dirty="0"/>
+              <a:t>Probabilistic PCA: latent is continuous</a:t>
+            </a:r>
+          </a:p>
+        </p:txBody>
+      </p:sp>
+      <p:sp>
+        <p:nvSpPr>
           <p:cNvPr id="3" name="Slide Number Placeholder 2">
             <a:extLst>
               <a:ext uri="{FF2B5EF4-FFF2-40B4-BE49-F238E27FC236}">
-                <a16:creationId xmlns:a16="http://schemas.microsoft.com/office/drawing/2014/main" id="{D4A76673-25C0-7990-DBBD-D877325E9AF4}"/>
+                <a16:creationId xmlns:a16="http://schemas.microsoft.com/office/drawing/2014/main" id="{D400AD90-B95F-B8B6-55A6-124E095BABA7}"/>
               </a:ext>
             </a:extLst>
           </p:cNvPr>
@@ -10738,7 +11207,7 @@
           <p:cNvPr id="4" name="Title 3">
             <a:extLst>
               <a:ext uri="{FF2B5EF4-FFF2-40B4-BE49-F238E27FC236}">
-                <a16:creationId xmlns:a16="http://schemas.microsoft.com/office/drawing/2014/main" id="{A91F660F-54EE-46B9-E22F-C3C55032FCC0}"/>
+                <a16:creationId xmlns:a16="http://schemas.microsoft.com/office/drawing/2014/main" id="{7854ECB2-D486-5AFA-5240-F7AF33EFA4EF}"/>
               </a:ext>
             </a:extLst>
           </p:cNvPr>
@@ -10756,787 +11225,7 @@
           <a:p>
             <a:r>
               <a:rPr lang="en-US" dirty="0"/>
-              <a:t>Linear Dynamical Systems</a:t>
-            </a:r>
-          </a:p>
-        </p:txBody>
-      </p:sp>
-      <p:sp>
-        <p:nvSpPr>
-          <p:cNvPr id="22" name="Oval 21">
-            <a:extLst>
-              <a:ext uri="{FF2B5EF4-FFF2-40B4-BE49-F238E27FC236}">
-                <a16:creationId xmlns:a16="http://schemas.microsoft.com/office/drawing/2014/main" id="{A9EBF801-A56F-A927-3DCB-88F3CC857D96}"/>
-              </a:ext>
-            </a:extLst>
-          </p:cNvPr>
-          <p:cNvSpPr/>
-          <p:nvPr/>
-        </p:nvSpPr>
-        <p:spPr>
-          <a:xfrm>
-            <a:off x="1882522" y="2249592"/>
-            <a:ext cx="685800" cy="685800"/>
-          </a:xfrm>
-          <a:prstGeom prst="ellipse">
-            <a:avLst/>
-          </a:prstGeom>
-        </p:spPr>
-        <p:style>
-          <a:lnRef idx="2">
-            <a:schemeClr val="dk1"/>
-          </a:lnRef>
-          <a:fillRef idx="1">
-            <a:schemeClr val="lt1"/>
-          </a:fillRef>
-          <a:effectRef idx="0">
-            <a:schemeClr val="dk1"/>
-          </a:effectRef>
-          <a:fontRef idx="minor">
-            <a:schemeClr val="dk1"/>
-          </a:fontRef>
-        </p:style>
-        <p:txBody>
-          <a:bodyPr wrap="none" rtlCol="0" anchor="ctr"/>
-          <a:lstStyle/>
-          <a:p>
-            <a:pPr algn="just"/>
-            <a:r>
-              <a:rPr lang="en-US" sz="3200" dirty="0"/>
-              <a:t>z</a:t>
-            </a:r>
-            <a:r>
-              <a:rPr lang="en-US" sz="3200" baseline="-25000" dirty="0"/>
-              <a:t>1</a:t>
-            </a:r>
-          </a:p>
-        </p:txBody>
-      </p:sp>
-      <p:sp>
-        <p:nvSpPr>
-          <p:cNvPr id="23" name="Oval 22">
-            <a:extLst>
-              <a:ext uri="{FF2B5EF4-FFF2-40B4-BE49-F238E27FC236}">
-                <a16:creationId xmlns:a16="http://schemas.microsoft.com/office/drawing/2014/main" id="{1E60A0FB-EADF-D037-C427-F18949D602C3}"/>
-              </a:ext>
-            </a:extLst>
-          </p:cNvPr>
-          <p:cNvSpPr/>
-          <p:nvPr/>
-        </p:nvSpPr>
-        <p:spPr>
-          <a:xfrm>
-            <a:off x="1882522" y="3468792"/>
-            <a:ext cx="685800" cy="685800"/>
-          </a:xfrm>
-          <a:prstGeom prst="ellipse">
-            <a:avLst/>
-          </a:prstGeom>
-        </p:spPr>
-        <p:style>
-          <a:lnRef idx="2">
-            <a:schemeClr val="dk1">
-              <a:shade val="50000"/>
-            </a:schemeClr>
-          </a:lnRef>
-          <a:fillRef idx="1">
-            <a:schemeClr val="dk1"/>
-          </a:fillRef>
-          <a:effectRef idx="0">
-            <a:schemeClr val="dk1"/>
-          </a:effectRef>
-          <a:fontRef idx="minor">
-            <a:schemeClr val="lt1"/>
-          </a:fontRef>
-        </p:style>
-        <p:txBody>
-          <a:bodyPr wrap="none" rtlCol="0" anchor="ctr"/>
-          <a:lstStyle/>
-          <a:p>
-            <a:pPr algn="just"/>
-            <a:r>
-              <a:rPr lang="en-US" sz="3200" dirty="0"/>
-              <a:t>x</a:t>
-            </a:r>
-            <a:r>
-              <a:rPr lang="en-US" sz="3200" baseline="-25000" dirty="0"/>
-              <a:t>1</a:t>
-            </a:r>
-          </a:p>
-        </p:txBody>
-      </p:sp>
-      <p:cxnSp>
-        <p:nvCxnSpPr>
-          <p:cNvPr id="24" name="Straight Arrow Connector 23">
-            <a:extLst>
-              <a:ext uri="{FF2B5EF4-FFF2-40B4-BE49-F238E27FC236}">
-                <a16:creationId xmlns:a16="http://schemas.microsoft.com/office/drawing/2014/main" id="{A678FD6E-7E9E-9CEB-2C28-E7429A018911}"/>
-              </a:ext>
-            </a:extLst>
-          </p:cNvPr>
-          <p:cNvCxnSpPr>
-            <a:stCxn id="22" idx="4"/>
-            <a:endCxn id="23" idx="0"/>
-          </p:cNvCxnSpPr>
-          <p:nvPr/>
-        </p:nvCxnSpPr>
-        <p:spPr>
-          <a:xfrm>
-            <a:off x="2225422" y="2935392"/>
-            <a:ext cx="0" cy="533400"/>
-          </a:xfrm>
-          <a:prstGeom prst="straightConnector1">
-            <a:avLst/>
-          </a:prstGeom>
-          <a:ln>
-            <a:tailEnd type="arrow"/>
-          </a:ln>
-        </p:spPr>
-        <p:style>
-          <a:lnRef idx="2">
-            <a:schemeClr val="dk1"/>
-          </a:lnRef>
-          <a:fillRef idx="1">
-            <a:schemeClr val="lt1"/>
-          </a:fillRef>
-          <a:effectRef idx="0">
-            <a:schemeClr val="dk1"/>
-          </a:effectRef>
-          <a:fontRef idx="minor">
-            <a:schemeClr val="dk1"/>
-          </a:fontRef>
-        </p:style>
-      </p:cxnSp>
-      <p:sp>
-        <p:nvSpPr>
-          <p:cNvPr id="25" name="Oval 24">
-            <a:extLst>
-              <a:ext uri="{FF2B5EF4-FFF2-40B4-BE49-F238E27FC236}">
-                <a16:creationId xmlns:a16="http://schemas.microsoft.com/office/drawing/2014/main" id="{CA9B7167-DA90-BE14-506E-73A8A25FADC1}"/>
-              </a:ext>
-            </a:extLst>
-          </p:cNvPr>
-          <p:cNvSpPr/>
-          <p:nvPr/>
-        </p:nvSpPr>
-        <p:spPr>
-          <a:xfrm>
-            <a:off x="3684767" y="2249592"/>
-            <a:ext cx="685800" cy="685800"/>
-          </a:xfrm>
-          <a:prstGeom prst="ellipse">
-            <a:avLst/>
-          </a:prstGeom>
-        </p:spPr>
-        <p:style>
-          <a:lnRef idx="2">
-            <a:schemeClr val="dk1"/>
-          </a:lnRef>
-          <a:fillRef idx="1">
-            <a:schemeClr val="lt1"/>
-          </a:fillRef>
-          <a:effectRef idx="0">
-            <a:schemeClr val="dk1"/>
-          </a:effectRef>
-          <a:fontRef idx="minor">
-            <a:schemeClr val="dk1"/>
-          </a:fontRef>
-        </p:style>
-        <p:txBody>
-          <a:bodyPr wrap="none" rtlCol="0" anchor="ctr"/>
-          <a:lstStyle/>
-          <a:p>
-            <a:pPr algn="just"/>
-            <a:r>
-              <a:rPr lang="en-US" sz="3200" dirty="0"/>
-              <a:t>z</a:t>
-            </a:r>
-            <a:r>
-              <a:rPr lang="en-US" sz="3200" baseline="-25000" dirty="0"/>
-              <a:t>2</a:t>
-            </a:r>
-          </a:p>
-        </p:txBody>
-      </p:sp>
-      <p:sp>
-        <p:nvSpPr>
-          <p:cNvPr id="26" name="Oval 25">
-            <a:extLst>
-              <a:ext uri="{FF2B5EF4-FFF2-40B4-BE49-F238E27FC236}">
-                <a16:creationId xmlns:a16="http://schemas.microsoft.com/office/drawing/2014/main" id="{A726A9D9-37E3-D622-A82C-D493AD858407}"/>
-              </a:ext>
-            </a:extLst>
-          </p:cNvPr>
-          <p:cNvSpPr/>
-          <p:nvPr/>
-        </p:nvSpPr>
-        <p:spPr>
-          <a:xfrm>
-            <a:off x="3684767" y="3468792"/>
-            <a:ext cx="685800" cy="685800"/>
-          </a:xfrm>
-          <a:prstGeom prst="ellipse">
-            <a:avLst/>
-          </a:prstGeom>
-        </p:spPr>
-        <p:style>
-          <a:lnRef idx="2">
-            <a:schemeClr val="dk1">
-              <a:shade val="50000"/>
-            </a:schemeClr>
-          </a:lnRef>
-          <a:fillRef idx="1">
-            <a:schemeClr val="dk1"/>
-          </a:fillRef>
-          <a:effectRef idx="0">
-            <a:schemeClr val="dk1"/>
-          </a:effectRef>
-          <a:fontRef idx="minor">
-            <a:schemeClr val="lt1"/>
-          </a:fontRef>
-        </p:style>
-        <p:txBody>
-          <a:bodyPr wrap="none" rtlCol="0" anchor="ctr"/>
-          <a:lstStyle/>
-          <a:p>
-            <a:pPr algn="just"/>
-            <a:r>
-              <a:rPr lang="en-US" sz="3200" dirty="0"/>
-              <a:t>x</a:t>
-            </a:r>
-            <a:r>
-              <a:rPr lang="en-US" sz="3200" baseline="-25000" dirty="0"/>
-              <a:t>2</a:t>
-            </a:r>
-          </a:p>
-        </p:txBody>
-      </p:sp>
-      <p:cxnSp>
-        <p:nvCxnSpPr>
-          <p:cNvPr id="27" name="Straight Arrow Connector 26">
-            <a:extLst>
-              <a:ext uri="{FF2B5EF4-FFF2-40B4-BE49-F238E27FC236}">
-                <a16:creationId xmlns:a16="http://schemas.microsoft.com/office/drawing/2014/main" id="{9CAE63C2-466C-68EB-57E9-7815476CFE6A}"/>
-              </a:ext>
-            </a:extLst>
-          </p:cNvPr>
-          <p:cNvCxnSpPr>
-            <a:stCxn id="25" idx="4"/>
-            <a:endCxn id="26" idx="0"/>
-          </p:cNvCxnSpPr>
-          <p:nvPr/>
-        </p:nvCxnSpPr>
-        <p:spPr>
-          <a:xfrm>
-            <a:off x="4027667" y="2935392"/>
-            <a:ext cx="0" cy="533400"/>
-          </a:xfrm>
-          <a:prstGeom prst="straightConnector1">
-            <a:avLst/>
-          </a:prstGeom>
-          <a:ln>
-            <a:tailEnd type="arrow"/>
-          </a:ln>
-        </p:spPr>
-        <p:style>
-          <a:lnRef idx="2">
-            <a:schemeClr val="dk1"/>
-          </a:lnRef>
-          <a:fillRef idx="1">
-            <a:schemeClr val="lt1"/>
-          </a:fillRef>
-          <a:effectRef idx="0">
-            <a:schemeClr val="dk1"/>
-          </a:effectRef>
-          <a:fontRef idx="minor">
-            <a:schemeClr val="dk1"/>
-          </a:fontRef>
-        </p:style>
-      </p:cxnSp>
-      <p:cxnSp>
-        <p:nvCxnSpPr>
-          <p:cNvPr id="28" name="Straight Arrow Connector 27">
-            <a:extLst>
-              <a:ext uri="{FF2B5EF4-FFF2-40B4-BE49-F238E27FC236}">
-                <a16:creationId xmlns:a16="http://schemas.microsoft.com/office/drawing/2014/main" id="{83028E1A-377C-99B9-4191-95D3B1D524EC}"/>
-              </a:ext>
-            </a:extLst>
-          </p:cNvPr>
-          <p:cNvCxnSpPr>
-            <a:stCxn id="22" idx="6"/>
-            <a:endCxn id="25" idx="2"/>
-          </p:cNvCxnSpPr>
-          <p:nvPr/>
-        </p:nvCxnSpPr>
-        <p:spPr>
-          <a:xfrm>
-            <a:off x="2568322" y="2592492"/>
-            <a:ext cx="1116445" cy="0"/>
-          </a:xfrm>
-          <a:prstGeom prst="straightConnector1">
-            <a:avLst/>
-          </a:prstGeom>
-          <a:ln>
-            <a:tailEnd type="arrow"/>
-          </a:ln>
-        </p:spPr>
-        <p:style>
-          <a:lnRef idx="2">
-            <a:schemeClr val="dk1"/>
-          </a:lnRef>
-          <a:fillRef idx="1">
-            <a:schemeClr val="lt1"/>
-          </a:fillRef>
-          <a:effectRef idx="0">
-            <a:schemeClr val="dk1"/>
-          </a:effectRef>
-          <a:fontRef idx="minor">
-            <a:schemeClr val="dk1"/>
-          </a:fontRef>
-        </p:style>
-      </p:cxnSp>
-      <p:sp>
-        <p:nvSpPr>
-          <p:cNvPr id="29" name="Oval 28">
-            <a:extLst>
-              <a:ext uri="{FF2B5EF4-FFF2-40B4-BE49-F238E27FC236}">
-                <a16:creationId xmlns:a16="http://schemas.microsoft.com/office/drawing/2014/main" id="{12FC555A-02D0-0E93-F418-0C13A6710EDE}"/>
-              </a:ext>
-            </a:extLst>
-          </p:cNvPr>
-          <p:cNvSpPr/>
-          <p:nvPr/>
-        </p:nvSpPr>
-        <p:spPr>
-          <a:xfrm>
-            <a:off x="5437367" y="2249592"/>
-            <a:ext cx="685800" cy="685800"/>
-          </a:xfrm>
-          <a:prstGeom prst="ellipse">
-            <a:avLst/>
-          </a:prstGeom>
-        </p:spPr>
-        <p:style>
-          <a:lnRef idx="2">
-            <a:schemeClr val="dk1"/>
-          </a:lnRef>
-          <a:fillRef idx="1">
-            <a:schemeClr val="lt1"/>
-          </a:fillRef>
-          <a:effectRef idx="0">
-            <a:schemeClr val="dk1"/>
-          </a:effectRef>
-          <a:fontRef idx="minor">
-            <a:schemeClr val="dk1"/>
-          </a:fontRef>
-        </p:style>
-        <p:txBody>
-          <a:bodyPr wrap="none" rtlCol="0" anchor="ctr"/>
-          <a:lstStyle/>
-          <a:p>
-            <a:pPr algn="just"/>
-            <a:r>
-              <a:rPr lang="en-US" sz="3200" dirty="0"/>
-              <a:t>z</a:t>
-            </a:r>
-            <a:r>
-              <a:rPr lang="en-US" sz="3200" baseline="-25000" dirty="0"/>
-              <a:t>3</a:t>
-            </a:r>
-          </a:p>
-        </p:txBody>
-      </p:sp>
-      <p:sp>
-        <p:nvSpPr>
-          <p:cNvPr id="30" name="Oval 29">
-            <a:extLst>
-              <a:ext uri="{FF2B5EF4-FFF2-40B4-BE49-F238E27FC236}">
-                <a16:creationId xmlns:a16="http://schemas.microsoft.com/office/drawing/2014/main" id="{5163C422-3668-8431-598F-141E3689815B}"/>
-              </a:ext>
-            </a:extLst>
-          </p:cNvPr>
-          <p:cNvSpPr/>
-          <p:nvPr/>
-        </p:nvSpPr>
-        <p:spPr>
-          <a:xfrm>
-            <a:off x="5437367" y="3468792"/>
-            <a:ext cx="685800" cy="685800"/>
-          </a:xfrm>
-          <a:prstGeom prst="ellipse">
-            <a:avLst/>
-          </a:prstGeom>
-        </p:spPr>
-        <p:style>
-          <a:lnRef idx="2">
-            <a:schemeClr val="dk1">
-              <a:shade val="50000"/>
-            </a:schemeClr>
-          </a:lnRef>
-          <a:fillRef idx="1">
-            <a:schemeClr val="dk1"/>
-          </a:fillRef>
-          <a:effectRef idx="0">
-            <a:schemeClr val="dk1"/>
-          </a:effectRef>
-          <a:fontRef idx="minor">
-            <a:schemeClr val="lt1"/>
-          </a:fontRef>
-        </p:style>
-        <p:txBody>
-          <a:bodyPr wrap="none" rtlCol="0" anchor="ctr"/>
-          <a:lstStyle/>
-          <a:p>
-            <a:pPr algn="just"/>
-            <a:r>
-              <a:rPr lang="en-US" sz="3200" dirty="0"/>
-              <a:t>x</a:t>
-            </a:r>
-            <a:r>
-              <a:rPr lang="en-US" sz="3200" baseline="-25000" dirty="0"/>
-              <a:t>3</a:t>
-            </a:r>
-          </a:p>
-        </p:txBody>
-      </p:sp>
-      <p:cxnSp>
-        <p:nvCxnSpPr>
-          <p:cNvPr id="31" name="Straight Arrow Connector 30">
-            <a:extLst>
-              <a:ext uri="{FF2B5EF4-FFF2-40B4-BE49-F238E27FC236}">
-                <a16:creationId xmlns:a16="http://schemas.microsoft.com/office/drawing/2014/main" id="{93C54849-5306-09A3-CE79-1B4BA108AA66}"/>
-              </a:ext>
-            </a:extLst>
-          </p:cNvPr>
-          <p:cNvCxnSpPr>
-            <a:stCxn id="29" idx="4"/>
-            <a:endCxn id="30" idx="0"/>
-          </p:cNvCxnSpPr>
-          <p:nvPr/>
-        </p:nvCxnSpPr>
-        <p:spPr>
-          <a:xfrm>
-            <a:off x="5780267" y="2935392"/>
-            <a:ext cx="0" cy="533400"/>
-          </a:xfrm>
-          <a:prstGeom prst="straightConnector1">
-            <a:avLst/>
-          </a:prstGeom>
-          <a:ln>
-            <a:tailEnd type="arrow"/>
-          </a:ln>
-        </p:spPr>
-        <p:style>
-          <a:lnRef idx="2">
-            <a:schemeClr val="dk1"/>
-          </a:lnRef>
-          <a:fillRef idx="1">
-            <a:schemeClr val="lt1"/>
-          </a:fillRef>
-          <a:effectRef idx="0">
-            <a:schemeClr val="dk1"/>
-          </a:effectRef>
-          <a:fontRef idx="minor">
-            <a:schemeClr val="dk1"/>
-          </a:fontRef>
-        </p:style>
-      </p:cxnSp>
-      <p:cxnSp>
-        <p:nvCxnSpPr>
-          <p:cNvPr id="32" name="Straight Arrow Connector 31">
-            <a:extLst>
-              <a:ext uri="{FF2B5EF4-FFF2-40B4-BE49-F238E27FC236}">
-                <a16:creationId xmlns:a16="http://schemas.microsoft.com/office/drawing/2014/main" id="{F68EE775-34CF-5F47-268D-7E0D74FA5103}"/>
-              </a:ext>
-            </a:extLst>
-          </p:cNvPr>
-          <p:cNvCxnSpPr>
-            <a:stCxn id="25" idx="6"/>
-            <a:endCxn id="29" idx="2"/>
-          </p:cNvCxnSpPr>
-          <p:nvPr/>
-        </p:nvCxnSpPr>
-        <p:spPr>
-          <a:xfrm>
-            <a:off x="4370567" y="2592492"/>
-            <a:ext cx="1066800" cy="0"/>
-          </a:xfrm>
-          <a:prstGeom prst="straightConnector1">
-            <a:avLst/>
-          </a:prstGeom>
-          <a:ln>
-            <a:tailEnd type="arrow"/>
-          </a:ln>
-        </p:spPr>
-        <p:style>
-          <a:lnRef idx="2">
-            <a:schemeClr val="dk1"/>
-          </a:lnRef>
-          <a:fillRef idx="1">
-            <a:schemeClr val="lt1"/>
-          </a:fillRef>
-          <a:effectRef idx="0">
-            <a:schemeClr val="dk1"/>
-          </a:effectRef>
-          <a:fontRef idx="minor">
-            <a:schemeClr val="dk1"/>
-          </a:fontRef>
-        </p:style>
-      </p:cxnSp>
-      <p:sp>
-        <p:nvSpPr>
-          <p:cNvPr id="33" name="Oval 32">
-            <a:extLst>
-              <a:ext uri="{FF2B5EF4-FFF2-40B4-BE49-F238E27FC236}">
-                <a16:creationId xmlns:a16="http://schemas.microsoft.com/office/drawing/2014/main" id="{61AD8843-E7FA-8BD1-ABDC-EC5150D2FD0D}"/>
-              </a:ext>
-            </a:extLst>
-          </p:cNvPr>
-          <p:cNvSpPr/>
-          <p:nvPr/>
-        </p:nvSpPr>
-        <p:spPr>
-          <a:xfrm>
-            <a:off x="7266167" y="2249592"/>
-            <a:ext cx="685800" cy="685800"/>
-          </a:xfrm>
-          <a:prstGeom prst="ellipse">
-            <a:avLst/>
-          </a:prstGeom>
-        </p:spPr>
-        <p:style>
-          <a:lnRef idx="2">
-            <a:schemeClr val="dk1"/>
-          </a:lnRef>
-          <a:fillRef idx="1">
-            <a:schemeClr val="lt1"/>
-          </a:fillRef>
-          <a:effectRef idx="0">
-            <a:schemeClr val="dk1"/>
-          </a:effectRef>
-          <a:fontRef idx="minor">
-            <a:schemeClr val="dk1"/>
-          </a:fontRef>
-        </p:style>
-        <p:txBody>
-          <a:bodyPr wrap="none" rtlCol="0" anchor="ctr"/>
-          <a:lstStyle/>
-          <a:p>
-            <a:pPr algn="just"/>
-            <a:r>
-              <a:rPr lang="en-US" sz="3200" dirty="0"/>
-              <a:t>z</a:t>
-            </a:r>
-            <a:r>
-              <a:rPr lang="en-US" sz="3200" baseline="-25000" dirty="0"/>
-              <a:t>4</a:t>
-            </a:r>
-          </a:p>
-        </p:txBody>
-      </p:sp>
-      <p:sp>
-        <p:nvSpPr>
-          <p:cNvPr id="34" name="Oval 33">
-            <a:extLst>
-              <a:ext uri="{FF2B5EF4-FFF2-40B4-BE49-F238E27FC236}">
-                <a16:creationId xmlns:a16="http://schemas.microsoft.com/office/drawing/2014/main" id="{E72D987B-C199-1D9E-390E-C4BFD4500CED}"/>
-              </a:ext>
-            </a:extLst>
-          </p:cNvPr>
-          <p:cNvSpPr/>
-          <p:nvPr/>
-        </p:nvSpPr>
-        <p:spPr>
-          <a:xfrm>
-            <a:off x="7266167" y="3468792"/>
-            <a:ext cx="685800" cy="685800"/>
-          </a:xfrm>
-          <a:prstGeom prst="ellipse">
-            <a:avLst/>
-          </a:prstGeom>
-        </p:spPr>
-        <p:style>
-          <a:lnRef idx="2">
-            <a:schemeClr val="dk1">
-              <a:shade val="50000"/>
-            </a:schemeClr>
-          </a:lnRef>
-          <a:fillRef idx="1">
-            <a:schemeClr val="dk1"/>
-          </a:fillRef>
-          <a:effectRef idx="0">
-            <a:schemeClr val="dk1"/>
-          </a:effectRef>
-          <a:fontRef idx="minor">
-            <a:schemeClr val="lt1"/>
-          </a:fontRef>
-        </p:style>
-        <p:txBody>
-          <a:bodyPr wrap="none" rtlCol="0" anchor="ctr"/>
-          <a:lstStyle/>
-          <a:p>
-            <a:pPr algn="just"/>
-            <a:r>
-              <a:rPr lang="en-US" sz="3200" dirty="0"/>
-              <a:t>x</a:t>
-            </a:r>
-            <a:r>
-              <a:rPr lang="en-US" sz="3200" baseline="-25000" dirty="0"/>
-              <a:t>4</a:t>
-            </a:r>
-          </a:p>
-        </p:txBody>
-      </p:sp>
-      <p:cxnSp>
-        <p:nvCxnSpPr>
-          <p:cNvPr id="35" name="Straight Arrow Connector 34">
-            <a:extLst>
-              <a:ext uri="{FF2B5EF4-FFF2-40B4-BE49-F238E27FC236}">
-                <a16:creationId xmlns:a16="http://schemas.microsoft.com/office/drawing/2014/main" id="{9271EC86-520A-9753-70DE-CB14D2B0E9C8}"/>
-              </a:ext>
-            </a:extLst>
-          </p:cNvPr>
-          <p:cNvCxnSpPr>
-            <a:stCxn id="33" idx="4"/>
-            <a:endCxn id="34" idx="0"/>
-          </p:cNvCxnSpPr>
-          <p:nvPr/>
-        </p:nvCxnSpPr>
-        <p:spPr>
-          <a:xfrm>
-            <a:off x="7609067" y="2935392"/>
-            <a:ext cx="0" cy="533400"/>
-          </a:xfrm>
-          <a:prstGeom prst="straightConnector1">
-            <a:avLst/>
-          </a:prstGeom>
-          <a:ln>
-            <a:tailEnd type="arrow"/>
-          </a:ln>
-        </p:spPr>
-        <p:style>
-          <a:lnRef idx="2">
-            <a:schemeClr val="dk1"/>
-          </a:lnRef>
-          <a:fillRef idx="1">
-            <a:schemeClr val="lt1"/>
-          </a:fillRef>
-          <a:effectRef idx="0">
-            <a:schemeClr val="dk1"/>
-          </a:effectRef>
-          <a:fontRef idx="minor">
-            <a:schemeClr val="dk1"/>
-          </a:fontRef>
-        </p:style>
-      </p:cxnSp>
-      <p:cxnSp>
-        <p:nvCxnSpPr>
-          <p:cNvPr id="36" name="Straight Arrow Connector 35">
-            <a:extLst>
-              <a:ext uri="{FF2B5EF4-FFF2-40B4-BE49-F238E27FC236}">
-                <a16:creationId xmlns:a16="http://schemas.microsoft.com/office/drawing/2014/main" id="{64D65D3A-945E-B636-77B5-A015E6430BE6}"/>
-              </a:ext>
-            </a:extLst>
-          </p:cNvPr>
-          <p:cNvCxnSpPr>
-            <a:stCxn id="29" idx="6"/>
-            <a:endCxn id="33" idx="2"/>
-          </p:cNvCxnSpPr>
-          <p:nvPr/>
-        </p:nvCxnSpPr>
-        <p:spPr>
-          <a:xfrm>
-            <a:off x="6123167" y="2592492"/>
-            <a:ext cx="1143000" cy="0"/>
-          </a:xfrm>
-          <a:prstGeom prst="straightConnector1">
-            <a:avLst/>
-          </a:prstGeom>
-          <a:ln>
-            <a:tailEnd type="arrow"/>
-          </a:ln>
-        </p:spPr>
-        <p:style>
-          <a:lnRef idx="2">
-            <a:schemeClr val="dk1"/>
-          </a:lnRef>
-          <a:fillRef idx="1">
-            <a:schemeClr val="lt1"/>
-          </a:fillRef>
-          <a:effectRef idx="0">
-            <a:schemeClr val="dk1"/>
-          </a:effectRef>
-          <a:fontRef idx="minor">
-            <a:schemeClr val="dk1"/>
-          </a:fontRef>
-        </p:style>
-      </p:cxnSp>
-      <p:sp>
-        <p:nvSpPr>
-          <p:cNvPr id="37" name="TextBox 36">
-            <a:extLst>
-              <a:ext uri="{FF2B5EF4-FFF2-40B4-BE49-F238E27FC236}">
-                <a16:creationId xmlns:a16="http://schemas.microsoft.com/office/drawing/2014/main" id="{F4BB0E63-6CE8-6BA2-61F7-4344B77A07B0}"/>
-              </a:ext>
-            </a:extLst>
-          </p:cNvPr>
-          <p:cNvSpPr txBox="1"/>
-          <p:nvPr/>
-        </p:nvSpPr>
-        <p:spPr>
-          <a:xfrm>
-            <a:off x="2466845" y="2161460"/>
-            <a:ext cx="1385444" cy="461665"/>
-          </a:xfrm>
-          <a:prstGeom prst="rect">
-            <a:avLst/>
-          </a:prstGeom>
-          <a:noFill/>
-        </p:spPr>
-        <p:txBody>
-          <a:bodyPr wrap="none" rtlCol="0">
-            <a:spAutoFit/>
-          </a:bodyPr>
-          <a:lstStyle/>
-          <a:p>
-            <a:r>
-              <a:rPr lang="en-US" sz="2400" dirty="0"/>
-              <a:t>transition</a:t>
-            </a:r>
-          </a:p>
-        </p:txBody>
-      </p:sp>
-      <p:sp>
-        <p:nvSpPr>
-          <p:cNvPr id="38" name="TextBox 37">
-            <a:extLst>
-              <a:ext uri="{FF2B5EF4-FFF2-40B4-BE49-F238E27FC236}">
-                <a16:creationId xmlns:a16="http://schemas.microsoft.com/office/drawing/2014/main" id="{2D55688E-BD67-8777-EEFA-4F4D01A64D3A}"/>
-              </a:ext>
-            </a:extLst>
-          </p:cNvPr>
-          <p:cNvSpPr txBox="1"/>
-          <p:nvPr/>
-        </p:nvSpPr>
-        <p:spPr>
-          <a:xfrm>
-            <a:off x="1870432" y="2935392"/>
-            <a:ext cx="1289135" cy="461665"/>
-          </a:xfrm>
-          <a:prstGeom prst="rect">
-            <a:avLst/>
-          </a:prstGeom>
-          <a:noFill/>
-        </p:spPr>
-        <p:txBody>
-          <a:bodyPr wrap="none" rtlCol="0">
-            <a:spAutoFit/>
-          </a:bodyPr>
-          <a:lstStyle/>
-          <a:p>
-            <a:r>
-              <a:rPr lang="en-US" sz="2400" dirty="0"/>
-              <a:t>emission</a:t>
+              <a:t>Summary</a:t>
             </a:r>
           </a:p>
         </p:txBody>
@@ -11544,7 +11233,7 @@
     </p:spTree>
     <p:extLst>
       <p:ext uri="{BB962C8B-B14F-4D97-AF65-F5344CB8AC3E}">
-        <p14:creationId xmlns:p14="http://schemas.microsoft.com/office/powerpoint/2010/main" val="2242316391"/>
+        <p14:creationId xmlns:p14="http://schemas.microsoft.com/office/powerpoint/2010/main" val="839440069"/>
       </p:ext>
     </p:extLst>
   </p:cSld>
@@ -11571,640 +11260,47 @@
           <a:chExt cx="0" cy="0"/>
         </a:xfrm>
       </p:grpSpPr>
-      <mc:AlternateContent xmlns:mc="http://schemas.openxmlformats.org/markup-compatibility/2006">
-        <mc:Choice xmlns:a14="http://schemas.microsoft.com/office/drawing/2010/main" Requires="a14">
-          <p:sp>
-            <p:nvSpPr>
-              <p:cNvPr id="2" name="Content Placeholder 1">
-                <a:extLst>
-                  <a:ext uri="{FF2B5EF4-FFF2-40B4-BE49-F238E27FC236}">
-                    <a16:creationId xmlns:a16="http://schemas.microsoft.com/office/drawing/2014/main" id="{9F44E1E0-78BA-8420-2B81-F9BAF96F24D9}"/>
-                  </a:ext>
-                </a:extLst>
-              </p:cNvPr>
-              <p:cNvSpPr>
-                <a:spLocks noGrp="1"/>
-              </p:cNvSpPr>
-              <p:nvPr>
-                <p:ph idx="1"/>
-              </p:nvPr>
-            </p:nvSpPr>
-            <p:spPr/>
-            <p:txBody>
-              <a:bodyPr/>
-              <a:lstStyle/>
-              <a:p>
-                <a:r>
-                  <a:rPr lang="en-US" dirty="0"/>
-                  <a:t>EM again</a:t>
-                </a:r>
-              </a:p>
-              <a:p>
-                <a14:m>
-                  <m:oMath xmlns:m="http://schemas.openxmlformats.org/officeDocument/2006/math">
-                    <m:func>
-                      <m:funcPr>
-                        <m:ctrlPr>
-                          <a:rPr lang="en-US" b="0" i="1" smtClean="0">
-                            <a:latin typeface="Cambria Math" panose="02040503050406030204" pitchFamily="18" charset="0"/>
-                          </a:rPr>
-                        </m:ctrlPr>
-                      </m:funcPr>
-                      <m:fName>
-                        <m:r>
-                          <m:rPr>
-                            <m:sty m:val="p"/>
-                          </m:rPr>
-                          <a:rPr lang="en-US" b="0" i="0" smtClean="0">
-                            <a:latin typeface="Cambria Math" panose="02040503050406030204" pitchFamily="18" charset="0"/>
-                          </a:rPr>
-                          <m:t>arg</m:t>
-                        </m:r>
-                      </m:fName>
-                      <m:e>
-                        <m:func>
-                          <m:funcPr>
-                            <m:ctrlPr>
-                              <a:rPr lang="en-US" b="0" i="1" smtClean="0">
-                                <a:latin typeface="Cambria Math" panose="02040503050406030204" pitchFamily="18" charset="0"/>
-                              </a:rPr>
-                            </m:ctrlPr>
-                          </m:funcPr>
-                          <m:fName>
-                            <m:limLow>
-                              <m:limLowPr>
-                                <m:ctrlPr>
-                                  <a:rPr lang="en-US" b="0" i="1" smtClean="0">
-                                    <a:latin typeface="Cambria Math" panose="02040503050406030204" pitchFamily="18" charset="0"/>
-                                  </a:rPr>
-                                </m:ctrlPr>
-                              </m:limLowPr>
-                              <m:e>
-                                <m:r>
-                                  <m:rPr>
-                                    <m:sty m:val="p"/>
-                                  </m:rPr>
-                                  <a:rPr lang="en-US" b="0" i="0" smtClean="0">
-                                    <a:latin typeface="Cambria Math" panose="02040503050406030204" pitchFamily="18" charset="0"/>
-                                  </a:rPr>
-                                  <m:t>max</m:t>
-                                </m:r>
-                              </m:e>
-                              <m:lim>
-                                <m:r>
-                                  <a:rPr lang="en-US" b="0" i="1" smtClean="0">
-                                    <a:latin typeface="Cambria Math" panose="02040503050406030204" pitchFamily="18" charset="0"/>
-                                  </a:rPr>
-                                  <m:t>𝜃</m:t>
-                                </m:r>
-                              </m:lim>
-                            </m:limLow>
-                          </m:fName>
-                          <m:e>
-                            <m:sSub>
-                              <m:sSubPr>
-                                <m:ctrlPr>
-                                  <a:rPr lang="en-US" i="1">
-                                    <a:latin typeface="Cambria Math" panose="02040503050406030204" pitchFamily="18" charset="0"/>
-                                  </a:rPr>
-                                </m:ctrlPr>
-                              </m:sSubPr>
-                              <m:e>
-                                <m:r>
-                                  <a:rPr lang="en-US" i="1">
-                                    <a:latin typeface="Cambria Math" panose="02040503050406030204" pitchFamily="18" charset="0"/>
-                                  </a:rPr>
-                                  <m:t>𝐸</m:t>
-                                </m:r>
-                              </m:e>
-                              <m:sub>
-                                <m:r>
-                                  <a:rPr lang="en-US" i="1">
-                                    <a:latin typeface="Cambria Math" panose="02040503050406030204" pitchFamily="18" charset="0"/>
-                                  </a:rPr>
-                                  <m:t>𝑝</m:t>
-                                </m:r>
-                                <m:r>
-                                  <a:rPr lang="en-US" i="1">
-                                    <a:latin typeface="Cambria Math" panose="02040503050406030204" pitchFamily="18" charset="0"/>
-                                  </a:rPr>
-                                  <m:t>(</m:t>
-                                </m:r>
-                                <m:sSub>
-                                  <m:sSubPr>
-                                    <m:ctrlPr>
-                                      <a:rPr lang="en-US" i="1">
-                                        <a:latin typeface="Cambria Math" panose="02040503050406030204" pitchFamily="18" charset="0"/>
-                                      </a:rPr>
-                                    </m:ctrlPr>
-                                  </m:sSubPr>
-                                  <m:e>
-                                    <m:r>
-                                      <a:rPr lang="en-US" i="1">
-                                        <a:latin typeface="Cambria Math" panose="02040503050406030204" pitchFamily="18" charset="0"/>
-                                      </a:rPr>
-                                      <m:t>𝑧</m:t>
-                                    </m:r>
-                                  </m:e>
-                                  <m:sub>
-                                    <m:r>
-                                      <a:rPr lang="en-US" i="1">
-                                        <a:latin typeface="Cambria Math" panose="02040503050406030204" pitchFamily="18" charset="0"/>
-                                      </a:rPr>
-                                      <m:t>1..</m:t>
-                                    </m:r>
-                                    <m:r>
-                                      <a:rPr lang="en-US" i="1">
-                                        <a:latin typeface="Cambria Math" panose="02040503050406030204" pitchFamily="18" charset="0"/>
-                                      </a:rPr>
-                                      <m:t>𝑁</m:t>
-                                    </m:r>
-                                  </m:sub>
-                                </m:sSub>
-                                <m:r>
-                                  <a:rPr lang="en-US" i="1">
-                                    <a:latin typeface="Cambria Math" panose="02040503050406030204" pitchFamily="18" charset="0"/>
-                                  </a:rPr>
-                                  <m:t>|</m:t>
-                                </m:r>
-                                <m:sSub>
-                                  <m:sSubPr>
-                                    <m:ctrlPr>
-                                      <a:rPr lang="en-US" i="1">
-                                        <a:latin typeface="Cambria Math" panose="02040503050406030204" pitchFamily="18" charset="0"/>
-                                      </a:rPr>
-                                    </m:ctrlPr>
-                                  </m:sSubPr>
-                                  <m:e>
-                                    <m:r>
-                                      <a:rPr lang="en-US" i="1">
-                                        <a:latin typeface="Cambria Math" panose="02040503050406030204" pitchFamily="18" charset="0"/>
-                                      </a:rPr>
-                                      <m:t>𝑥</m:t>
-                                    </m:r>
-                                  </m:e>
-                                  <m:sub>
-                                    <m:r>
-                                      <a:rPr lang="en-US" i="1">
-                                        <a:latin typeface="Cambria Math" panose="02040503050406030204" pitchFamily="18" charset="0"/>
-                                      </a:rPr>
-                                      <m:t>1..</m:t>
-                                    </m:r>
-                                    <m:r>
-                                      <a:rPr lang="en-US" i="1">
-                                        <a:latin typeface="Cambria Math" panose="02040503050406030204" pitchFamily="18" charset="0"/>
-                                      </a:rPr>
-                                      <m:t>𝑁</m:t>
-                                    </m:r>
-                                  </m:sub>
-                                </m:sSub>
-                                <m:r>
-                                  <a:rPr lang="en-US" b="0" i="1" smtClean="0">
-                                    <a:latin typeface="Cambria Math" panose="02040503050406030204" pitchFamily="18" charset="0"/>
-                                  </a:rPr>
-                                  <m:t>;</m:t>
-                                </m:r>
-                                <m:sSub>
-                                  <m:sSubPr>
-                                    <m:ctrlPr>
-                                      <a:rPr lang="en-US" b="0" i="1" smtClean="0">
-                                        <a:latin typeface="Cambria Math" panose="02040503050406030204" pitchFamily="18" charset="0"/>
-                                      </a:rPr>
-                                    </m:ctrlPr>
-                                  </m:sSubPr>
-                                  <m:e>
-                                    <m:r>
-                                      <a:rPr lang="en-US" b="0" i="1" smtClean="0">
-                                        <a:latin typeface="Cambria Math" panose="02040503050406030204" pitchFamily="18" charset="0"/>
-                                      </a:rPr>
-                                      <m:t>𝜃</m:t>
-                                    </m:r>
-                                  </m:e>
-                                  <m:sub>
-                                    <m:r>
-                                      <a:rPr lang="en-US" b="0" i="1" smtClean="0">
-                                        <a:latin typeface="Cambria Math" panose="02040503050406030204" pitchFamily="18" charset="0"/>
-                                      </a:rPr>
-                                      <m:t>𝑜𝑙𝑑</m:t>
-                                    </m:r>
-                                  </m:sub>
-                                </m:sSub>
-                                <m:r>
-                                  <a:rPr lang="en-US" i="1">
-                                    <a:latin typeface="Cambria Math" panose="02040503050406030204" pitchFamily="18" charset="0"/>
-                                  </a:rPr>
-                                  <m:t>)</m:t>
-                                </m:r>
-                              </m:sub>
-                            </m:sSub>
-                            <m:func>
-                              <m:funcPr>
-                                <m:ctrlPr>
-                                  <a:rPr lang="en-US" i="1">
-                                    <a:latin typeface="Cambria Math" panose="02040503050406030204" pitchFamily="18" charset="0"/>
-                                  </a:rPr>
-                                </m:ctrlPr>
-                              </m:funcPr>
-                              <m:fName>
-                                <m:r>
-                                  <m:rPr>
-                                    <m:sty m:val="p"/>
-                                  </m:rPr>
-                                  <a:rPr lang="en-US">
-                                    <a:latin typeface="Cambria Math" panose="02040503050406030204" pitchFamily="18" charset="0"/>
-                                  </a:rPr>
-                                  <m:t>log</m:t>
-                                </m:r>
-                              </m:fName>
-                              <m:e>
-                                <m:r>
-                                  <a:rPr lang="en-US" i="1">
-                                    <a:latin typeface="Cambria Math" panose="02040503050406030204" pitchFamily="18" charset="0"/>
-                                  </a:rPr>
-                                  <m:t>𝑝</m:t>
-                                </m:r>
-                                <m:r>
-                                  <a:rPr lang="en-US" i="1">
-                                    <a:latin typeface="Cambria Math" panose="02040503050406030204" pitchFamily="18" charset="0"/>
-                                  </a:rPr>
-                                  <m:t>(</m:t>
-                                </m:r>
-                                <m:sSub>
-                                  <m:sSubPr>
-                                    <m:ctrlPr>
-                                      <a:rPr lang="en-US" i="1">
-                                        <a:latin typeface="Cambria Math" panose="02040503050406030204" pitchFamily="18" charset="0"/>
-                                      </a:rPr>
-                                    </m:ctrlPr>
-                                  </m:sSubPr>
-                                  <m:e>
-                                    <m:r>
-                                      <a:rPr lang="en-US" i="1">
-                                        <a:latin typeface="Cambria Math" panose="02040503050406030204" pitchFamily="18" charset="0"/>
-                                      </a:rPr>
-                                      <m:t>𝑥</m:t>
-                                    </m:r>
-                                  </m:e>
-                                  <m:sub>
-                                    <m:r>
-                                      <a:rPr lang="en-US" b="0" i="1" smtClean="0">
-                                        <a:latin typeface="Cambria Math" panose="02040503050406030204" pitchFamily="18" charset="0"/>
-                                      </a:rPr>
-                                      <m:t>1..</m:t>
-                                    </m:r>
-                                    <m:r>
-                                      <a:rPr lang="en-US" b="0" i="1" smtClean="0">
-                                        <a:latin typeface="Cambria Math" panose="02040503050406030204" pitchFamily="18" charset="0"/>
-                                      </a:rPr>
-                                      <m:t>𝑁</m:t>
-                                    </m:r>
-                                  </m:sub>
-                                </m:sSub>
-                                <m:r>
-                                  <a:rPr lang="en-US" i="1">
-                                    <a:latin typeface="Cambria Math" panose="02040503050406030204" pitchFamily="18" charset="0"/>
-                                  </a:rPr>
-                                  <m:t>, </m:t>
-                                </m:r>
-                                <m:sSub>
-                                  <m:sSubPr>
-                                    <m:ctrlPr>
-                                      <a:rPr lang="en-US" i="1">
-                                        <a:latin typeface="Cambria Math" panose="02040503050406030204" pitchFamily="18" charset="0"/>
-                                      </a:rPr>
-                                    </m:ctrlPr>
-                                  </m:sSubPr>
-                                  <m:e>
-                                    <m:r>
-                                      <a:rPr lang="en-US" i="1">
-                                        <a:latin typeface="Cambria Math" panose="02040503050406030204" pitchFamily="18" charset="0"/>
-                                      </a:rPr>
-                                      <m:t>𝑧</m:t>
-                                    </m:r>
-                                  </m:e>
-                                  <m:sub>
-                                    <m:r>
-                                      <a:rPr lang="en-US" b="0" i="1" smtClean="0">
-                                        <a:latin typeface="Cambria Math" panose="02040503050406030204" pitchFamily="18" charset="0"/>
-                                      </a:rPr>
-                                      <m:t>1..</m:t>
-                                    </m:r>
-                                    <m:r>
-                                      <a:rPr lang="en-US" b="0" i="1" smtClean="0">
-                                        <a:latin typeface="Cambria Math" panose="02040503050406030204" pitchFamily="18" charset="0"/>
-                                      </a:rPr>
-                                      <m:t>𝑁</m:t>
-                                    </m:r>
-                                  </m:sub>
-                                </m:sSub>
-                                <m:r>
-                                  <a:rPr lang="en-US" b="0" i="1" smtClean="0">
-                                    <a:latin typeface="Cambria Math" panose="02040503050406030204" pitchFamily="18" charset="0"/>
-                                  </a:rPr>
-                                  <m:t>|</m:t>
-                                </m:r>
-                                <m:r>
-                                  <a:rPr lang="en-US" b="0" i="1" smtClean="0">
-                                    <a:latin typeface="Cambria Math" panose="02040503050406030204" pitchFamily="18" charset="0"/>
-                                  </a:rPr>
-                                  <m:t>𝜃</m:t>
-                                </m:r>
-                                <m:r>
-                                  <a:rPr lang="en-US" i="1">
-                                    <a:latin typeface="Cambria Math" panose="02040503050406030204" pitchFamily="18" charset="0"/>
-                                  </a:rPr>
-                                  <m:t>)</m:t>
-                                </m:r>
-                              </m:e>
-                            </m:func>
-                          </m:e>
-                        </m:func>
-                      </m:e>
-                    </m:func>
-                  </m:oMath>
-                </a14:m>
-                <a:endParaRPr lang="en-US" dirty="0"/>
-              </a:p>
-              <a:p>
-                <a:r>
-                  <a:rPr lang="en-US" dirty="0"/>
-                  <a:t>E-step: estimate </a:t>
-                </a:r>
-                <a14:m>
-                  <m:oMath xmlns:m="http://schemas.openxmlformats.org/officeDocument/2006/math">
-                    <m:r>
-                      <a:rPr lang="en-US" b="0" i="1" smtClean="0">
-                        <a:latin typeface="Cambria Math" panose="02040503050406030204" pitchFamily="18" charset="0"/>
-                      </a:rPr>
-                      <m:t>𝑝</m:t>
-                    </m:r>
-                    <m:r>
-                      <a:rPr lang="en-US" b="0" i="1" smtClean="0">
-                        <a:latin typeface="Cambria Math" panose="02040503050406030204" pitchFamily="18" charset="0"/>
-                      </a:rPr>
-                      <m:t>(</m:t>
-                    </m:r>
-                    <m:sSub>
-                      <m:sSubPr>
-                        <m:ctrlPr>
-                          <a:rPr lang="en-US" i="1" smtClean="0">
-                            <a:latin typeface="Cambria Math" panose="02040503050406030204" pitchFamily="18" charset="0"/>
-                          </a:rPr>
-                        </m:ctrlPr>
-                      </m:sSubPr>
-                      <m:e>
-                        <m:r>
-                          <a:rPr lang="en-US" b="0" i="1" smtClean="0">
-                            <a:latin typeface="Cambria Math" panose="02040503050406030204" pitchFamily="18" charset="0"/>
-                          </a:rPr>
-                          <m:t>𝑧</m:t>
-                        </m:r>
-                      </m:e>
-                      <m:sub>
-                        <m:r>
-                          <a:rPr lang="en-US" b="0" i="1" smtClean="0">
-                            <a:latin typeface="Cambria Math" panose="02040503050406030204" pitchFamily="18" charset="0"/>
-                          </a:rPr>
-                          <m:t>𝑛</m:t>
-                        </m:r>
-                      </m:sub>
-                    </m:sSub>
-                    <m:r>
-                      <a:rPr lang="en-US" b="0" i="1" smtClean="0">
-                        <a:latin typeface="Cambria Math" panose="02040503050406030204" pitchFamily="18" charset="0"/>
-                      </a:rPr>
-                      <m:t>|</m:t>
-                    </m:r>
-                    <m:sSub>
-                      <m:sSubPr>
-                        <m:ctrlPr>
-                          <a:rPr lang="en-US" i="1" smtClean="0">
-                            <a:latin typeface="Cambria Math" panose="02040503050406030204" pitchFamily="18" charset="0"/>
-                          </a:rPr>
-                        </m:ctrlPr>
-                      </m:sSubPr>
-                      <m:e>
-                        <m:r>
-                          <a:rPr lang="en-US" b="0" i="1" smtClean="0">
-                            <a:latin typeface="Cambria Math" panose="02040503050406030204" pitchFamily="18" charset="0"/>
-                          </a:rPr>
-                          <m:t>𝑥</m:t>
-                        </m:r>
-                      </m:e>
-                      <m:sub>
-                        <m:r>
-                          <a:rPr lang="en-US" b="0" i="1" smtClean="0">
-                            <a:latin typeface="Cambria Math" panose="02040503050406030204" pitchFamily="18" charset="0"/>
-                          </a:rPr>
-                          <m:t>1..</m:t>
-                        </m:r>
-                        <m:r>
-                          <a:rPr lang="en-US" b="0" i="1" smtClean="0">
-                            <a:latin typeface="Cambria Math" panose="02040503050406030204" pitchFamily="18" charset="0"/>
-                          </a:rPr>
-                          <m:t>𝑁</m:t>
-                        </m:r>
-                      </m:sub>
-                    </m:sSub>
-                    <m:r>
-                      <a:rPr lang="en-US" b="0" i="1" smtClean="0">
-                        <a:latin typeface="Cambria Math" panose="02040503050406030204" pitchFamily="18" charset="0"/>
-                      </a:rPr>
-                      <m:t>)</m:t>
-                    </m:r>
-                  </m:oMath>
-                </a14:m>
-                <a:r>
-                  <a:rPr lang="en-US" dirty="0"/>
-                  <a:t> and </a:t>
-                </a:r>
-                <a14:m>
-                  <m:oMath xmlns:m="http://schemas.openxmlformats.org/officeDocument/2006/math">
-                    <m:r>
-                      <a:rPr lang="en-US" i="1">
-                        <a:latin typeface="Cambria Math" panose="02040503050406030204" pitchFamily="18" charset="0"/>
-                      </a:rPr>
-                      <m:t>𝑝</m:t>
-                    </m:r>
-                    <m:r>
-                      <a:rPr lang="en-US" i="1">
-                        <a:latin typeface="Cambria Math" panose="02040503050406030204" pitchFamily="18" charset="0"/>
-                      </a:rPr>
-                      <m:t>(</m:t>
-                    </m:r>
-                    <m:sSub>
-                      <m:sSubPr>
-                        <m:ctrlPr>
-                          <a:rPr lang="en-US" i="1">
-                            <a:latin typeface="Cambria Math" panose="02040503050406030204" pitchFamily="18" charset="0"/>
-                          </a:rPr>
-                        </m:ctrlPr>
-                      </m:sSubPr>
-                      <m:e>
-                        <m:r>
-                          <a:rPr lang="en-US" i="1">
-                            <a:latin typeface="Cambria Math" panose="02040503050406030204" pitchFamily="18" charset="0"/>
-                          </a:rPr>
-                          <m:t>𝑧</m:t>
-                        </m:r>
-                      </m:e>
-                      <m:sub>
-                        <m:r>
-                          <a:rPr lang="en-US" i="1">
-                            <a:latin typeface="Cambria Math" panose="02040503050406030204" pitchFamily="18" charset="0"/>
-                          </a:rPr>
-                          <m:t>𝑛</m:t>
-                        </m:r>
-                      </m:sub>
-                    </m:sSub>
-                    <m:r>
-                      <a:rPr lang="en-US" b="0" i="1" smtClean="0">
-                        <a:latin typeface="Cambria Math" panose="02040503050406030204" pitchFamily="18" charset="0"/>
-                      </a:rPr>
-                      <m:t>,</m:t>
-                    </m:r>
-                    <m:sSub>
-                      <m:sSubPr>
-                        <m:ctrlPr>
-                          <a:rPr lang="en-US" b="0" i="1" smtClean="0">
-                            <a:latin typeface="Cambria Math" panose="02040503050406030204" pitchFamily="18" charset="0"/>
-                          </a:rPr>
-                        </m:ctrlPr>
-                      </m:sSubPr>
-                      <m:e>
-                        <m:r>
-                          <a:rPr lang="en-US" b="0" i="1" smtClean="0">
-                            <a:latin typeface="Cambria Math" panose="02040503050406030204" pitchFamily="18" charset="0"/>
-                          </a:rPr>
-                          <m:t>𝑧</m:t>
-                        </m:r>
-                      </m:e>
-                      <m:sub>
-                        <m:r>
-                          <a:rPr lang="en-US" b="0" i="1" smtClean="0">
-                            <a:latin typeface="Cambria Math" panose="02040503050406030204" pitchFamily="18" charset="0"/>
-                          </a:rPr>
-                          <m:t>𝑛</m:t>
-                        </m:r>
-                        <m:r>
-                          <a:rPr lang="en-US" b="0" i="1" smtClean="0">
-                            <a:latin typeface="Cambria Math" panose="02040503050406030204" pitchFamily="18" charset="0"/>
-                          </a:rPr>
-                          <m:t>+1</m:t>
-                        </m:r>
-                      </m:sub>
-                    </m:sSub>
-                    <m:r>
-                      <a:rPr lang="en-US" i="1">
-                        <a:latin typeface="Cambria Math" panose="02040503050406030204" pitchFamily="18" charset="0"/>
-                      </a:rPr>
-                      <m:t>|</m:t>
-                    </m:r>
-                    <m:sSub>
-                      <m:sSubPr>
-                        <m:ctrlPr>
-                          <a:rPr lang="en-US" i="1">
-                            <a:latin typeface="Cambria Math" panose="02040503050406030204" pitchFamily="18" charset="0"/>
-                          </a:rPr>
-                        </m:ctrlPr>
-                      </m:sSubPr>
-                      <m:e>
-                        <m:r>
-                          <a:rPr lang="en-US" i="1">
-                            <a:latin typeface="Cambria Math" panose="02040503050406030204" pitchFamily="18" charset="0"/>
-                          </a:rPr>
-                          <m:t>𝑥</m:t>
-                        </m:r>
-                      </m:e>
-                      <m:sub>
-                        <m:r>
-                          <a:rPr lang="en-US" i="1">
-                            <a:latin typeface="Cambria Math" panose="02040503050406030204" pitchFamily="18" charset="0"/>
-                          </a:rPr>
-                          <m:t>1..</m:t>
-                        </m:r>
-                        <m:r>
-                          <a:rPr lang="en-US" i="1">
-                            <a:latin typeface="Cambria Math" panose="02040503050406030204" pitchFamily="18" charset="0"/>
-                          </a:rPr>
-                          <m:t>𝑁</m:t>
-                        </m:r>
-                      </m:sub>
-                    </m:sSub>
-                    <m:r>
-                      <a:rPr lang="en-US" i="1">
-                        <a:latin typeface="Cambria Math" panose="02040503050406030204" pitchFamily="18" charset="0"/>
-                      </a:rPr>
-                      <m:t>)</m:t>
-                    </m:r>
-                  </m:oMath>
-                </a14:m>
-                <a:endParaRPr lang="en-US" dirty="0"/>
-              </a:p>
-              <a:p>
-                <a:r>
-                  <a:rPr lang="en-US" dirty="0"/>
-                  <a:t>M-step: optimizing for params</a:t>
-                </a:r>
-              </a:p>
-              <a:p>
-                <a:pPr marL="0" indent="0">
-                  <a:buNone/>
-                </a:pPr>
-                <a:endParaRPr lang="en-US" dirty="0"/>
-              </a:p>
-              <a:p>
-                <a:endParaRPr lang="en-US" dirty="0"/>
-              </a:p>
-            </p:txBody>
-          </p:sp>
-        </mc:Choice>
-        <mc:Fallback>
-          <p:sp>
-            <p:nvSpPr>
-              <p:cNvPr id="2" name="Content Placeholder 1">
-                <a:extLst>
-                  <a:ext uri="{FF2B5EF4-FFF2-40B4-BE49-F238E27FC236}">
-                    <a16:creationId xmlns:a16="http://schemas.microsoft.com/office/drawing/2014/main" id="{9F44E1E0-78BA-8420-2B81-F9BAF96F24D9}"/>
-                  </a:ext>
-                </a:extLst>
-              </p:cNvPr>
-              <p:cNvSpPr>
-                <a:spLocks noGrp="1" noRot="1" noChangeAspect="1" noMove="1" noResize="1" noEditPoints="1" noAdjustHandles="1" noChangeArrowheads="1" noChangeShapeType="1" noTextEdit="1"/>
-              </p:cNvSpPr>
-              <p:nvPr>
-                <p:ph idx="1"/>
-              </p:nvPr>
-            </p:nvSpPr>
-            <p:spPr>
-              <a:blipFill>
-                <a:blip r:embed="rId2"/>
-                <a:stretch>
-                  <a:fillRect l="-1852" t="-1867"/>
-                </a:stretch>
-              </a:blipFill>
-            </p:spPr>
-            <p:txBody>
-              <a:bodyPr/>
-              <a:lstStyle/>
-              <a:p>
-                <a:r>
-                  <a:rPr lang="en-US">
-                    <a:noFill/>
-                  </a:rPr>
-                  <a:t> </a:t>
-                </a:r>
-              </a:p>
-            </p:txBody>
-          </p:sp>
-        </mc:Fallback>
-      </mc:AlternateContent>
+      <p:sp>
+        <p:nvSpPr>
+          <p:cNvPr id="2" name="Content Placeholder 1">
+            <a:extLst>
+              <a:ext uri="{FF2B5EF4-FFF2-40B4-BE49-F238E27FC236}">
+                <a16:creationId xmlns:a16="http://schemas.microsoft.com/office/drawing/2014/main" id="{EA972DC0-2304-8CD2-BCAD-91E7960C2908}"/>
+              </a:ext>
+            </a:extLst>
+          </p:cNvPr>
+          <p:cNvSpPr>
+            <a:spLocks noGrp="1"/>
+          </p:cNvSpPr>
+          <p:nvPr>
+            <p:ph idx="1"/>
+          </p:nvPr>
+        </p:nvSpPr>
+        <p:spPr/>
+        <p:txBody>
+          <a:bodyPr/>
+          <a:lstStyle/>
+          <a:p>
+            <a:r>
+              <a:rPr lang="en-US" b="0" i="0" u="none" strike="noStrike" dirty="0">
+                <a:solidFill>
+                  <a:srgbClr val="000000"/>
+                </a:solidFill>
+                <a:effectLst/>
+                <a:latin typeface="Helvetica" pitchFamily="2" charset="0"/>
+              </a:rPr>
+              <a:t>PRML Chapter 9, 12.2</a:t>
+            </a:r>
+            <a:endParaRPr lang="en-US" dirty="0"/>
+          </a:p>
+        </p:txBody>
+      </p:sp>
       <p:sp>
         <p:nvSpPr>
           <p:cNvPr id="3" name="Slide Number Placeholder 2">
             <a:extLst>
               <a:ext uri="{FF2B5EF4-FFF2-40B4-BE49-F238E27FC236}">
-                <a16:creationId xmlns:a16="http://schemas.microsoft.com/office/drawing/2014/main" id="{CC182764-D0CB-FA89-715B-B96FB2AFA6D4}"/>
+                <a16:creationId xmlns:a16="http://schemas.microsoft.com/office/drawing/2014/main" id="{1A5C8B90-8A6B-5829-FF54-A06A1CF769D4}"/>
               </a:ext>
             </a:extLst>
           </p:cNvPr>
@@ -12244,7 +11340,7 @@
           <p:cNvPr id="4" name="Title 3">
             <a:extLst>
               <a:ext uri="{FF2B5EF4-FFF2-40B4-BE49-F238E27FC236}">
-                <a16:creationId xmlns:a16="http://schemas.microsoft.com/office/drawing/2014/main" id="{6EF109C3-D92E-CC8C-0059-552033146D40}"/>
+                <a16:creationId xmlns:a16="http://schemas.microsoft.com/office/drawing/2014/main" id="{EFB5E168-9D45-79E4-B98C-5B07731137DE}"/>
               </a:ext>
             </a:extLst>
           </p:cNvPr>
@@ -12262,7 +11358,7 @@
           <a:p>
             <a:r>
               <a:rPr lang="en-US" dirty="0"/>
-              <a:t>Learning LDS</a:t>
+              <a:t>Recommended Reading</a:t>
             </a:r>
           </a:p>
         </p:txBody>
@@ -12270,7 +11366,7 @@
     </p:spTree>
     <p:extLst>
       <p:ext uri="{BB962C8B-B14F-4D97-AF65-F5344CB8AC3E}">
-        <p14:creationId xmlns:p14="http://schemas.microsoft.com/office/powerpoint/2010/main" val="3786110030"/>
+        <p14:creationId xmlns:p14="http://schemas.microsoft.com/office/powerpoint/2010/main" val="22127006"/>
       </p:ext>
     </p:extLst>
   </p:cSld>
@@ -12297,340 +11393,46 @@
           <a:chExt cx="0" cy="0"/>
         </a:xfrm>
       </p:grpSpPr>
-      <mc:AlternateContent xmlns:mc="http://schemas.openxmlformats.org/markup-compatibility/2006">
-        <mc:Choice xmlns:a14="http://schemas.microsoft.com/office/drawing/2010/main" Requires="a14">
-          <p:sp>
-            <p:nvSpPr>
-              <p:cNvPr id="2" name="Content Placeholder 1">
-                <a:extLst>
-                  <a:ext uri="{FF2B5EF4-FFF2-40B4-BE49-F238E27FC236}">
-                    <a16:creationId xmlns:a16="http://schemas.microsoft.com/office/drawing/2014/main" id="{6F36CC7C-83AC-FAE5-9636-20D7C4EFA007}"/>
-                  </a:ext>
-                </a:extLst>
-              </p:cNvPr>
-              <p:cNvSpPr>
-                <a:spLocks noGrp="1"/>
-              </p:cNvSpPr>
-              <p:nvPr>
-                <p:ph idx="1"/>
-              </p:nvPr>
-            </p:nvSpPr>
-            <p:spPr/>
-            <p:txBody>
-              <a:bodyPr/>
-              <a:lstStyle/>
-              <a:p>
-                <a14:m>
-                  <m:oMath xmlns:m="http://schemas.openxmlformats.org/officeDocument/2006/math">
-                    <m:sSub>
-                      <m:sSubPr>
-                        <m:ctrlPr>
-                          <a:rPr lang="en-US" i="1" smtClean="0">
-                            <a:latin typeface="Cambria Math" panose="02040503050406030204" pitchFamily="18" charset="0"/>
-                          </a:rPr>
-                        </m:ctrlPr>
-                      </m:sSubPr>
-                      <m:e>
-                        <m:r>
-                          <a:rPr lang="en-US" i="1">
-                            <a:latin typeface="Cambria Math" panose="02040503050406030204" pitchFamily="18" charset="0"/>
-                          </a:rPr>
-                          <m:t>𝐸</m:t>
-                        </m:r>
-                      </m:e>
-                      <m:sub>
-                        <m:r>
-                          <a:rPr lang="en-US" i="1">
-                            <a:latin typeface="Cambria Math" panose="02040503050406030204" pitchFamily="18" charset="0"/>
-                          </a:rPr>
-                          <m:t>𝑝</m:t>
-                        </m:r>
-                        <m:r>
-                          <a:rPr lang="en-US" i="1">
-                            <a:latin typeface="Cambria Math" panose="02040503050406030204" pitchFamily="18" charset="0"/>
-                          </a:rPr>
-                          <m:t>(</m:t>
-                        </m:r>
-                        <m:sSub>
-                          <m:sSubPr>
-                            <m:ctrlPr>
-                              <a:rPr lang="en-US" i="1">
-                                <a:latin typeface="Cambria Math" panose="02040503050406030204" pitchFamily="18" charset="0"/>
-                              </a:rPr>
-                            </m:ctrlPr>
-                          </m:sSubPr>
-                          <m:e>
-                            <m:r>
-                              <a:rPr lang="en-US" i="1">
-                                <a:latin typeface="Cambria Math" panose="02040503050406030204" pitchFamily="18" charset="0"/>
-                              </a:rPr>
-                              <m:t>𝑧</m:t>
-                            </m:r>
-                          </m:e>
-                          <m:sub>
-                            <m:r>
-                              <a:rPr lang="en-US" i="1">
-                                <a:latin typeface="Cambria Math" panose="02040503050406030204" pitchFamily="18" charset="0"/>
-                              </a:rPr>
-                              <m:t>1..</m:t>
-                            </m:r>
-                            <m:r>
-                              <a:rPr lang="en-US" i="1">
-                                <a:latin typeface="Cambria Math" panose="02040503050406030204" pitchFamily="18" charset="0"/>
-                              </a:rPr>
-                              <m:t>𝑁</m:t>
-                            </m:r>
-                          </m:sub>
-                        </m:sSub>
-                        <m:r>
-                          <a:rPr lang="en-US" i="1">
-                            <a:latin typeface="Cambria Math" panose="02040503050406030204" pitchFamily="18" charset="0"/>
-                          </a:rPr>
-                          <m:t>|</m:t>
-                        </m:r>
-                        <m:sSub>
-                          <m:sSubPr>
-                            <m:ctrlPr>
-                              <a:rPr lang="en-US" i="1">
-                                <a:latin typeface="Cambria Math" panose="02040503050406030204" pitchFamily="18" charset="0"/>
-                              </a:rPr>
-                            </m:ctrlPr>
-                          </m:sSubPr>
-                          <m:e>
-                            <m:r>
-                              <a:rPr lang="en-US" i="1">
-                                <a:latin typeface="Cambria Math" panose="02040503050406030204" pitchFamily="18" charset="0"/>
-                              </a:rPr>
-                              <m:t>𝑥</m:t>
-                            </m:r>
-                          </m:e>
-                          <m:sub>
-                            <m:r>
-                              <a:rPr lang="en-US" i="1">
-                                <a:latin typeface="Cambria Math" panose="02040503050406030204" pitchFamily="18" charset="0"/>
-                              </a:rPr>
-                              <m:t>1..</m:t>
-                            </m:r>
-                            <m:r>
-                              <a:rPr lang="en-US" i="1">
-                                <a:latin typeface="Cambria Math" panose="02040503050406030204" pitchFamily="18" charset="0"/>
-                              </a:rPr>
-                              <m:t>𝑁</m:t>
-                            </m:r>
-                          </m:sub>
-                        </m:sSub>
-                        <m:r>
-                          <a:rPr lang="en-US" b="0" i="1" smtClean="0">
-                            <a:latin typeface="Cambria Math" panose="02040503050406030204" pitchFamily="18" charset="0"/>
-                          </a:rPr>
-                          <m:t>;</m:t>
-                        </m:r>
-                        <m:sSub>
-                          <m:sSubPr>
-                            <m:ctrlPr>
-                              <a:rPr lang="en-US" b="0" i="1" smtClean="0">
-                                <a:latin typeface="Cambria Math" panose="02040503050406030204" pitchFamily="18" charset="0"/>
-                              </a:rPr>
-                            </m:ctrlPr>
-                          </m:sSubPr>
-                          <m:e>
-                            <m:r>
-                              <a:rPr lang="en-US" b="0" i="1" smtClean="0">
-                                <a:latin typeface="Cambria Math" panose="02040503050406030204" pitchFamily="18" charset="0"/>
-                              </a:rPr>
-                              <m:t>𝜃</m:t>
-                            </m:r>
-                          </m:e>
-                          <m:sub>
-                            <m:r>
-                              <a:rPr lang="en-US" b="0" i="1" smtClean="0">
-                                <a:latin typeface="Cambria Math" panose="02040503050406030204" pitchFamily="18" charset="0"/>
-                              </a:rPr>
-                              <m:t>𝑜𝑙𝑑</m:t>
-                            </m:r>
-                          </m:sub>
-                        </m:sSub>
-                        <m:r>
-                          <a:rPr lang="en-US" i="1">
-                            <a:latin typeface="Cambria Math" panose="02040503050406030204" pitchFamily="18" charset="0"/>
-                          </a:rPr>
-                          <m:t>)</m:t>
-                        </m:r>
-                      </m:sub>
-                    </m:sSub>
-                    <m:func>
-                      <m:funcPr>
-                        <m:ctrlPr>
-                          <a:rPr lang="en-US" i="1">
-                            <a:latin typeface="Cambria Math" panose="02040503050406030204" pitchFamily="18" charset="0"/>
-                          </a:rPr>
-                        </m:ctrlPr>
-                      </m:funcPr>
-                      <m:fName>
-                        <m:r>
-                          <m:rPr>
-                            <m:sty m:val="p"/>
-                          </m:rPr>
-                          <a:rPr lang="en-US">
-                            <a:latin typeface="Cambria Math" panose="02040503050406030204" pitchFamily="18" charset="0"/>
-                          </a:rPr>
-                          <m:t>log</m:t>
-                        </m:r>
-                      </m:fName>
-                      <m:e>
-                        <m:r>
-                          <a:rPr lang="en-US" i="1">
-                            <a:latin typeface="Cambria Math" panose="02040503050406030204" pitchFamily="18" charset="0"/>
-                          </a:rPr>
-                          <m:t>𝑝</m:t>
-                        </m:r>
-                        <m:r>
-                          <a:rPr lang="en-US" i="1">
-                            <a:latin typeface="Cambria Math" panose="02040503050406030204" pitchFamily="18" charset="0"/>
-                          </a:rPr>
-                          <m:t>(</m:t>
-                        </m:r>
-                        <m:sSub>
-                          <m:sSubPr>
-                            <m:ctrlPr>
-                              <a:rPr lang="en-US" i="1">
-                                <a:latin typeface="Cambria Math" panose="02040503050406030204" pitchFamily="18" charset="0"/>
-                              </a:rPr>
-                            </m:ctrlPr>
-                          </m:sSubPr>
-                          <m:e>
-                            <m:r>
-                              <a:rPr lang="en-US" i="1">
-                                <a:latin typeface="Cambria Math" panose="02040503050406030204" pitchFamily="18" charset="0"/>
-                              </a:rPr>
-                              <m:t>𝑥</m:t>
-                            </m:r>
-                          </m:e>
-                          <m:sub>
-                            <m:r>
-                              <a:rPr lang="en-US" b="0" i="1" smtClean="0">
-                                <a:latin typeface="Cambria Math" panose="02040503050406030204" pitchFamily="18" charset="0"/>
-                              </a:rPr>
-                              <m:t>1..</m:t>
-                            </m:r>
-                            <m:r>
-                              <a:rPr lang="en-US" b="0" i="1" smtClean="0">
-                                <a:latin typeface="Cambria Math" panose="02040503050406030204" pitchFamily="18" charset="0"/>
-                              </a:rPr>
-                              <m:t>𝑁</m:t>
-                            </m:r>
-                          </m:sub>
-                        </m:sSub>
-                        <m:r>
-                          <a:rPr lang="en-US" i="1">
-                            <a:latin typeface="Cambria Math" panose="02040503050406030204" pitchFamily="18" charset="0"/>
-                          </a:rPr>
-                          <m:t>, </m:t>
-                        </m:r>
-                        <m:sSub>
-                          <m:sSubPr>
-                            <m:ctrlPr>
-                              <a:rPr lang="en-US" i="1">
-                                <a:latin typeface="Cambria Math" panose="02040503050406030204" pitchFamily="18" charset="0"/>
-                              </a:rPr>
-                            </m:ctrlPr>
-                          </m:sSubPr>
-                          <m:e>
-                            <m:r>
-                              <a:rPr lang="en-US" i="1">
-                                <a:latin typeface="Cambria Math" panose="02040503050406030204" pitchFamily="18" charset="0"/>
-                              </a:rPr>
-                              <m:t>𝑧</m:t>
-                            </m:r>
-                          </m:e>
-                          <m:sub>
-                            <m:r>
-                              <a:rPr lang="en-US" b="0" i="1" smtClean="0">
-                                <a:latin typeface="Cambria Math" panose="02040503050406030204" pitchFamily="18" charset="0"/>
-                              </a:rPr>
-                              <m:t>1..</m:t>
-                            </m:r>
-                            <m:r>
-                              <a:rPr lang="en-US" b="0" i="1" smtClean="0">
-                                <a:latin typeface="Cambria Math" panose="02040503050406030204" pitchFamily="18" charset="0"/>
-                              </a:rPr>
-                              <m:t>𝑁</m:t>
-                            </m:r>
-                          </m:sub>
-                        </m:sSub>
-                        <m:r>
-                          <a:rPr lang="en-US" b="0" i="1" smtClean="0">
-                            <a:latin typeface="Cambria Math" panose="02040503050406030204" pitchFamily="18" charset="0"/>
-                          </a:rPr>
-                          <m:t>|</m:t>
-                        </m:r>
-                        <m:r>
-                          <a:rPr lang="en-US" b="0" i="1" smtClean="0">
-                            <a:latin typeface="Cambria Math" panose="02040503050406030204" pitchFamily="18" charset="0"/>
-                          </a:rPr>
-                          <m:t>𝜃</m:t>
-                        </m:r>
-                        <m:r>
-                          <a:rPr lang="en-US" i="1">
-                            <a:latin typeface="Cambria Math" panose="02040503050406030204" pitchFamily="18" charset="0"/>
-                          </a:rPr>
-                          <m:t>)</m:t>
-                        </m:r>
-                      </m:e>
-                    </m:func>
-                  </m:oMath>
-                </a14:m>
-                <a:endParaRPr lang="en-US" dirty="0"/>
-              </a:p>
-            </p:txBody>
-          </p:sp>
-        </mc:Choice>
-        <mc:Fallback>
-          <p:sp>
-            <p:nvSpPr>
-              <p:cNvPr id="2" name="Content Placeholder 1">
-                <a:extLst>
-                  <a:ext uri="{FF2B5EF4-FFF2-40B4-BE49-F238E27FC236}">
-                    <a16:creationId xmlns:a16="http://schemas.microsoft.com/office/drawing/2014/main" id="{6F36CC7C-83AC-FAE5-9636-20D7C4EFA007}"/>
-                  </a:ext>
-                </a:extLst>
-              </p:cNvPr>
-              <p:cNvSpPr>
-                <a:spLocks noGrp="1" noRot="1" noChangeAspect="1" noMove="1" noResize="1" noEditPoints="1" noAdjustHandles="1" noChangeArrowheads="1" noChangeShapeType="1" noTextEdit="1"/>
-              </p:cNvSpPr>
-              <p:nvPr>
-                <p:ph idx="1"/>
-              </p:nvPr>
-            </p:nvSpPr>
-            <p:spPr>
-              <a:blipFill>
-                <a:blip r:embed="rId2"/>
-                <a:stretch>
-                  <a:fillRect l="-1543"/>
-                </a:stretch>
-              </a:blipFill>
-            </p:spPr>
-            <p:txBody>
-              <a:bodyPr/>
-              <a:lstStyle/>
-              <a:p>
-                <a:r>
-                  <a:rPr lang="en-US">
-                    <a:noFill/>
-                  </a:rPr>
-                  <a:t> </a:t>
-                </a:r>
-              </a:p>
-            </p:txBody>
-          </p:sp>
-        </mc:Fallback>
-      </mc:AlternateContent>
+      <p:sp>
+        <p:nvSpPr>
+          <p:cNvPr id="2" name="Content Placeholder 1">
+            <a:extLst>
+              <a:ext uri="{FF2B5EF4-FFF2-40B4-BE49-F238E27FC236}">
+                <a16:creationId xmlns:a16="http://schemas.microsoft.com/office/drawing/2014/main" id="{5C4C8C93-A6A4-14DC-6A20-0922502D9FC5}"/>
+              </a:ext>
+            </a:extLst>
+          </p:cNvPr>
+          <p:cNvSpPr>
+            <a:spLocks noGrp="1"/>
+          </p:cNvSpPr>
+          <p:nvPr>
+            <p:ph idx="1"/>
+          </p:nvPr>
+        </p:nvSpPr>
+        <p:spPr/>
+        <p:txBody>
+          <a:bodyPr/>
+          <a:lstStyle/>
+          <a:p>
+            <a:r>
+              <a:rPr lang="en-US" dirty="0"/>
+              <a:t>Dynamic Bayesian Network</a:t>
+            </a:r>
+          </a:p>
+          <a:p>
+            <a:r>
+              <a:rPr lang="en-US" dirty="0"/>
+              <a:t>Linear Dynamical System</a:t>
+            </a:r>
+          </a:p>
+        </p:txBody>
+      </p:sp>
       <p:sp>
         <p:nvSpPr>
           <p:cNvPr id="3" name="Slide Number Placeholder 2">
             <a:extLst>
               <a:ext uri="{FF2B5EF4-FFF2-40B4-BE49-F238E27FC236}">
-                <a16:creationId xmlns:a16="http://schemas.microsoft.com/office/drawing/2014/main" id="{0A5B3F54-F5B7-BA4F-3669-F4969694AAD4}"/>
+                <a16:creationId xmlns:a16="http://schemas.microsoft.com/office/drawing/2014/main" id="{DD3D75E8-AD23-8C6F-20BC-F2BB2FF4325F}"/>
               </a:ext>
             </a:extLst>
           </p:cNvPr>
@@ -12670,7 +11472,7 @@
           <p:cNvPr id="4" name="Title 3">
             <a:extLst>
               <a:ext uri="{FF2B5EF4-FFF2-40B4-BE49-F238E27FC236}">
-                <a16:creationId xmlns:a16="http://schemas.microsoft.com/office/drawing/2014/main" id="{5EE59F07-A231-CAA5-B4EE-C74E670CC943}"/>
+                <a16:creationId xmlns:a16="http://schemas.microsoft.com/office/drawing/2014/main" id="{44925512-8D0A-2807-7EEB-150E0F4950AE}"/>
               </a:ext>
             </a:extLst>
           </p:cNvPr>
@@ -12683,14 +11485,12 @@
         </p:nvSpPr>
         <p:spPr/>
         <p:txBody>
-          <a:bodyPr>
-            <a:normAutofit fontScale="90000"/>
-          </a:bodyPr>
+          <a:bodyPr/>
           <a:lstStyle/>
           <a:p>
             <a:r>
               <a:rPr lang="en-US" dirty="0"/>
-              <a:t>Objective: Expected log-likelihood</a:t>
+              <a:t>Next up</a:t>
             </a:r>
           </a:p>
         </p:txBody>
@@ -12698,1058 +11498,7 @@
     </p:spTree>
     <p:extLst>
       <p:ext uri="{BB962C8B-B14F-4D97-AF65-F5344CB8AC3E}">
-        <p14:creationId xmlns:p14="http://schemas.microsoft.com/office/powerpoint/2010/main" val="1318758071"/>
-      </p:ext>
-    </p:extLst>
-  </p:cSld>
-  <p:clrMapOvr>
-    <a:masterClrMapping/>
-  </p:clrMapOvr>
-</p:sld>
-</file>
-
-<file path=ppt/slides/slide25.xml><?xml version="1.0" encoding="utf-8"?>
-<p:sld xmlns:a="http://schemas.openxmlformats.org/drawingml/2006/main" xmlns:r="http://schemas.openxmlformats.org/officeDocument/2006/relationships" xmlns:p="http://schemas.openxmlformats.org/presentationml/2006/main">
-  <p:cSld>
-    <p:spTree>
-      <p:nvGrpSpPr>
-        <p:cNvPr id="1" name=""/>
-        <p:cNvGrpSpPr/>
-        <p:nvPr/>
-      </p:nvGrpSpPr>
-      <p:grpSpPr>
-        <a:xfrm>
-          <a:off x="0" y="0"/>
-          <a:ext cx="0" cy="0"/>
-          <a:chOff x="0" y="0"/>
-          <a:chExt cx="0" cy="0"/>
-        </a:xfrm>
-      </p:grpSpPr>
-      <p:sp>
-        <p:nvSpPr>
-          <p:cNvPr id="2" name="Content Placeholder 1">
-            <a:extLst>
-              <a:ext uri="{FF2B5EF4-FFF2-40B4-BE49-F238E27FC236}">
-                <a16:creationId xmlns:a16="http://schemas.microsoft.com/office/drawing/2014/main" id="{4CFC7AD8-DC71-C787-2DAE-B07D483BE2DD}"/>
-              </a:ext>
-            </a:extLst>
-          </p:cNvPr>
-          <p:cNvSpPr>
-            <a:spLocks noGrp="1"/>
-          </p:cNvSpPr>
-          <p:nvPr>
-            <p:ph idx="1"/>
-          </p:nvPr>
-        </p:nvSpPr>
-        <p:spPr/>
-        <p:txBody>
-          <a:bodyPr/>
-          <a:lstStyle/>
-          <a:p>
-            <a:endParaRPr lang="en-US"/>
-          </a:p>
-        </p:txBody>
-      </p:sp>
-      <p:sp>
-        <p:nvSpPr>
-          <p:cNvPr id="3" name="Slide Number Placeholder 2">
-            <a:extLst>
-              <a:ext uri="{FF2B5EF4-FFF2-40B4-BE49-F238E27FC236}">
-                <a16:creationId xmlns:a16="http://schemas.microsoft.com/office/drawing/2014/main" id="{6334AB59-A6B4-32C9-B1C0-089A48FDBEF0}"/>
-              </a:ext>
-            </a:extLst>
-          </p:cNvPr>
-          <p:cNvSpPr>
-            <a:spLocks noGrp="1"/>
-          </p:cNvSpPr>
-          <p:nvPr>
-            <p:ph type="sldNum" sz="quarter" idx="12"/>
-          </p:nvPr>
-        </p:nvSpPr>
-        <p:spPr/>
-        <p:txBody>
-          <a:bodyPr/>
-          <a:lstStyle/>
-          <a:p>
-            <a:fld id="{96652B35-718D-4E28-AFEB-B694A3B357E8}" type="slidenum">
-              <a:rPr lang="en-US" smtClean="0">
-                <a:solidFill>
-                  <a:prstClr val="black"/>
-                </a:solidFill>
-                <a:latin typeface="Calibri"/>
-              </a:rPr>
-              <a:pPr/>
-              <a:t>25</a:t>
-            </a:fld>
-            <a:endParaRPr lang="en-US" sz="2000" dirty="0">
-              <a:solidFill>
-                <a:prstClr val="white"/>
-              </a:solidFill>
-              <a:latin typeface="Calibri"/>
-            </a:endParaRPr>
-          </a:p>
-        </p:txBody>
-      </p:sp>
-      <p:sp>
-        <p:nvSpPr>
-          <p:cNvPr id="4" name="Title 3">
-            <a:extLst>
-              <a:ext uri="{FF2B5EF4-FFF2-40B4-BE49-F238E27FC236}">
-                <a16:creationId xmlns:a16="http://schemas.microsoft.com/office/drawing/2014/main" id="{9CFD7844-6DE7-2AE4-4B5C-78B838C3887F}"/>
-              </a:ext>
-            </a:extLst>
-          </p:cNvPr>
-          <p:cNvSpPr>
-            <a:spLocks noGrp="1"/>
-          </p:cNvSpPr>
-          <p:nvPr>
-            <p:ph type="title"/>
-          </p:nvPr>
-        </p:nvSpPr>
-        <p:spPr/>
-        <p:txBody>
-          <a:bodyPr/>
-          <a:lstStyle/>
-          <a:p>
-            <a:r>
-              <a:rPr lang="en-US" dirty="0"/>
-              <a:t>Maximization</a:t>
-            </a:r>
-          </a:p>
-        </p:txBody>
-      </p:sp>
-    </p:spTree>
-    <p:extLst>
-      <p:ext uri="{BB962C8B-B14F-4D97-AF65-F5344CB8AC3E}">
-        <p14:creationId xmlns:p14="http://schemas.microsoft.com/office/powerpoint/2010/main" val="779741905"/>
-      </p:ext>
-    </p:extLst>
-  </p:cSld>
-  <p:clrMapOvr>
-    <a:masterClrMapping/>
-  </p:clrMapOvr>
-</p:sld>
-</file>
-
-<file path=ppt/slides/slide26.xml><?xml version="1.0" encoding="utf-8"?>
-<p:sld xmlns:a="http://schemas.openxmlformats.org/drawingml/2006/main" xmlns:r="http://schemas.openxmlformats.org/officeDocument/2006/relationships" xmlns:p="http://schemas.openxmlformats.org/presentationml/2006/main">
-  <p:cSld>
-    <p:spTree>
-      <p:nvGrpSpPr>
-        <p:cNvPr id="1" name=""/>
-        <p:cNvGrpSpPr/>
-        <p:nvPr/>
-      </p:nvGrpSpPr>
-      <p:grpSpPr>
-        <a:xfrm>
-          <a:off x="0" y="0"/>
-          <a:ext cx="0" cy="0"/>
-          <a:chOff x="0" y="0"/>
-          <a:chExt cx="0" cy="0"/>
-        </a:xfrm>
-      </p:grpSpPr>
-      <mc:AlternateContent xmlns:mc="http://schemas.openxmlformats.org/markup-compatibility/2006">
-        <mc:Choice xmlns:a14="http://schemas.microsoft.com/office/drawing/2010/main" Requires="a14">
-          <p:sp>
-            <p:nvSpPr>
-              <p:cNvPr id="2" name="Content Placeholder 1">
-                <a:extLst>
-                  <a:ext uri="{FF2B5EF4-FFF2-40B4-BE49-F238E27FC236}">
-                    <a16:creationId xmlns:a16="http://schemas.microsoft.com/office/drawing/2014/main" id="{19B411A5-C4D5-A474-DF90-0C1D49B29701}"/>
-                  </a:ext>
-                </a:extLst>
-              </p:cNvPr>
-              <p:cNvSpPr>
-                <a:spLocks noGrp="1"/>
-              </p:cNvSpPr>
-              <p:nvPr>
-                <p:ph idx="1"/>
-              </p:nvPr>
-            </p:nvSpPr>
-            <p:spPr/>
-            <p:txBody>
-              <a:bodyPr/>
-              <a:lstStyle/>
-              <a:p>
-                <a:r>
-                  <a:rPr lang="en-US" dirty="0"/>
-                  <a:t>Forward-backward algorithm</a:t>
-                </a:r>
-              </a:p>
-              <a:p>
-                <a:r>
-                  <a:rPr lang="en-US" dirty="0"/>
-                  <a:t>Forward: also known as Kalman filter, estimate filtering density </a:t>
-                </a:r>
-                <a14:m>
-                  <m:oMath xmlns:m="http://schemas.openxmlformats.org/officeDocument/2006/math">
-                    <m:r>
-                      <a:rPr lang="en-US" b="0" i="1" smtClean="0">
-                        <a:latin typeface="Cambria Math" panose="02040503050406030204" pitchFamily="18" charset="0"/>
-                      </a:rPr>
-                      <m:t>𝑝</m:t>
-                    </m:r>
-                    <m:r>
-                      <a:rPr lang="en-US" b="0" i="1" smtClean="0">
-                        <a:latin typeface="Cambria Math" panose="02040503050406030204" pitchFamily="18" charset="0"/>
-                      </a:rPr>
-                      <m:t>(</m:t>
-                    </m:r>
-                    <m:sSub>
-                      <m:sSubPr>
-                        <m:ctrlPr>
-                          <a:rPr lang="en-US" i="1" smtClean="0">
-                            <a:latin typeface="Cambria Math" panose="02040503050406030204" pitchFamily="18" charset="0"/>
-                          </a:rPr>
-                        </m:ctrlPr>
-                      </m:sSubPr>
-                      <m:e>
-                        <m:r>
-                          <a:rPr lang="en-US" b="0" i="1" smtClean="0">
-                            <a:latin typeface="Cambria Math" panose="02040503050406030204" pitchFamily="18" charset="0"/>
-                          </a:rPr>
-                          <m:t>𝑧</m:t>
-                        </m:r>
-                      </m:e>
-                      <m:sub>
-                        <m:r>
-                          <a:rPr lang="en-US" b="0" i="1" smtClean="0">
-                            <a:latin typeface="Cambria Math" panose="02040503050406030204" pitchFamily="18" charset="0"/>
-                          </a:rPr>
-                          <m:t>𝑛</m:t>
-                        </m:r>
-                      </m:sub>
-                    </m:sSub>
-                    <m:r>
-                      <a:rPr lang="en-US" b="0" i="1" smtClean="0">
-                        <a:latin typeface="Cambria Math" panose="02040503050406030204" pitchFamily="18" charset="0"/>
-                      </a:rPr>
-                      <m:t>|</m:t>
-                    </m:r>
-                    <m:sSub>
-                      <m:sSubPr>
-                        <m:ctrlPr>
-                          <a:rPr lang="en-US" i="1" smtClean="0">
-                            <a:latin typeface="Cambria Math" panose="02040503050406030204" pitchFamily="18" charset="0"/>
-                          </a:rPr>
-                        </m:ctrlPr>
-                      </m:sSubPr>
-                      <m:e>
-                        <m:r>
-                          <a:rPr lang="en-US" b="0" i="1" smtClean="0">
-                            <a:latin typeface="Cambria Math" panose="02040503050406030204" pitchFamily="18" charset="0"/>
-                          </a:rPr>
-                          <m:t>𝑥</m:t>
-                        </m:r>
-                      </m:e>
-                      <m:sub>
-                        <m:r>
-                          <a:rPr lang="en-US" b="0" i="1" smtClean="0">
-                            <a:latin typeface="Cambria Math" panose="02040503050406030204" pitchFamily="18" charset="0"/>
-                          </a:rPr>
-                          <m:t>1..</m:t>
-                        </m:r>
-                        <m:r>
-                          <a:rPr lang="en-US" b="0" i="1" smtClean="0">
-                            <a:latin typeface="Cambria Math" panose="02040503050406030204" pitchFamily="18" charset="0"/>
-                          </a:rPr>
-                          <m:t>𝑛</m:t>
-                        </m:r>
-                      </m:sub>
-                    </m:sSub>
-                    <m:r>
-                      <a:rPr lang="en-US" b="0" i="1" smtClean="0">
-                        <a:latin typeface="Cambria Math" panose="02040503050406030204" pitchFamily="18" charset="0"/>
-                      </a:rPr>
-                      <m:t>)</m:t>
-                    </m:r>
-                  </m:oMath>
-                </a14:m>
-                <a:endParaRPr lang="en-US" dirty="0"/>
-              </a:p>
-              <a:p>
-                <a:r>
-                  <a:rPr lang="en-US" dirty="0"/>
-                  <a:t>Backward: also known as Kalman smoothing, estimate smoothing density </a:t>
-                </a:r>
-                <a14:m>
-                  <m:oMath xmlns:m="http://schemas.openxmlformats.org/officeDocument/2006/math">
-                    <m:r>
-                      <a:rPr lang="en-US" b="0" i="1" smtClean="0">
-                        <a:latin typeface="Cambria Math" panose="02040503050406030204" pitchFamily="18" charset="0"/>
-                      </a:rPr>
-                      <m:t>𝑝</m:t>
-                    </m:r>
-                    <m:r>
-                      <a:rPr lang="en-US" b="0" i="1" smtClean="0">
-                        <a:latin typeface="Cambria Math" panose="02040503050406030204" pitchFamily="18" charset="0"/>
-                      </a:rPr>
-                      <m:t>(</m:t>
-                    </m:r>
-                    <m:sSub>
-                      <m:sSubPr>
-                        <m:ctrlPr>
-                          <a:rPr lang="en-US" i="1" smtClean="0">
-                            <a:latin typeface="Cambria Math" panose="02040503050406030204" pitchFamily="18" charset="0"/>
-                          </a:rPr>
-                        </m:ctrlPr>
-                      </m:sSubPr>
-                      <m:e>
-                        <m:r>
-                          <a:rPr lang="en-US" b="0" i="1" smtClean="0">
-                            <a:latin typeface="Cambria Math" panose="02040503050406030204" pitchFamily="18" charset="0"/>
-                          </a:rPr>
-                          <m:t>𝑧</m:t>
-                        </m:r>
-                      </m:e>
-                      <m:sub>
-                        <m:r>
-                          <a:rPr lang="en-US" b="0" i="1" smtClean="0">
-                            <a:latin typeface="Cambria Math" panose="02040503050406030204" pitchFamily="18" charset="0"/>
-                          </a:rPr>
-                          <m:t>𝑛</m:t>
-                        </m:r>
-                      </m:sub>
-                    </m:sSub>
-                    <m:r>
-                      <a:rPr lang="en-US" b="0" i="1" smtClean="0">
-                        <a:latin typeface="Cambria Math" panose="02040503050406030204" pitchFamily="18" charset="0"/>
-                      </a:rPr>
-                      <m:t>|</m:t>
-                    </m:r>
-                    <m:sSub>
-                      <m:sSubPr>
-                        <m:ctrlPr>
-                          <a:rPr lang="en-US" i="1" smtClean="0">
-                            <a:latin typeface="Cambria Math" panose="02040503050406030204" pitchFamily="18" charset="0"/>
-                          </a:rPr>
-                        </m:ctrlPr>
-                      </m:sSubPr>
-                      <m:e>
-                        <m:r>
-                          <a:rPr lang="en-US" b="0" i="1" smtClean="0">
-                            <a:latin typeface="Cambria Math" panose="02040503050406030204" pitchFamily="18" charset="0"/>
-                          </a:rPr>
-                          <m:t>𝑥</m:t>
-                        </m:r>
-                      </m:e>
-                      <m:sub>
-                        <m:r>
-                          <a:rPr lang="en-US" b="0" i="1" smtClean="0">
-                            <a:latin typeface="Cambria Math" panose="02040503050406030204" pitchFamily="18" charset="0"/>
-                          </a:rPr>
-                          <m:t>1..</m:t>
-                        </m:r>
-                        <m:r>
-                          <a:rPr lang="en-US" b="0" i="1" smtClean="0">
-                            <a:latin typeface="Cambria Math" panose="02040503050406030204" pitchFamily="18" charset="0"/>
-                          </a:rPr>
-                          <m:t>𝑁</m:t>
-                        </m:r>
-                      </m:sub>
-                    </m:sSub>
-                    <m:r>
-                      <a:rPr lang="en-US" b="0" i="1" smtClean="0">
-                        <a:latin typeface="Cambria Math" panose="02040503050406030204" pitchFamily="18" charset="0"/>
-                      </a:rPr>
-                      <m:t>)</m:t>
-                    </m:r>
-                  </m:oMath>
-                </a14:m>
-                <a:endParaRPr lang="en-US" dirty="0"/>
-              </a:p>
-            </p:txBody>
-          </p:sp>
-        </mc:Choice>
-        <mc:Fallback>
-          <p:sp>
-            <p:nvSpPr>
-              <p:cNvPr id="2" name="Content Placeholder 1">
-                <a:extLst>
-                  <a:ext uri="{FF2B5EF4-FFF2-40B4-BE49-F238E27FC236}">
-                    <a16:creationId xmlns:a16="http://schemas.microsoft.com/office/drawing/2014/main" id="{19B411A5-C4D5-A474-DF90-0C1D49B29701}"/>
-                  </a:ext>
-                </a:extLst>
-              </p:cNvPr>
-              <p:cNvSpPr>
-                <a:spLocks noGrp="1" noRot="1" noChangeAspect="1" noMove="1" noResize="1" noEditPoints="1" noAdjustHandles="1" noChangeArrowheads="1" noChangeShapeType="1" noTextEdit="1"/>
-              </p:cNvSpPr>
-              <p:nvPr>
-                <p:ph idx="1"/>
-              </p:nvPr>
-            </p:nvSpPr>
-            <p:spPr>
-              <a:blipFill>
-                <a:blip r:embed="rId2"/>
-                <a:stretch>
-                  <a:fillRect l="-1852" t="-1867"/>
-                </a:stretch>
-              </a:blipFill>
-            </p:spPr>
-            <p:txBody>
-              <a:bodyPr/>
-              <a:lstStyle/>
-              <a:p>
-                <a:r>
-                  <a:rPr lang="en-US">
-                    <a:noFill/>
-                  </a:rPr>
-                  <a:t> </a:t>
-                </a:r>
-              </a:p>
-            </p:txBody>
-          </p:sp>
-        </mc:Fallback>
-      </mc:AlternateContent>
-      <p:sp>
-        <p:nvSpPr>
-          <p:cNvPr id="3" name="Slide Number Placeholder 2">
-            <a:extLst>
-              <a:ext uri="{FF2B5EF4-FFF2-40B4-BE49-F238E27FC236}">
-                <a16:creationId xmlns:a16="http://schemas.microsoft.com/office/drawing/2014/main" id="{81DFD1F9-1DA1-FDDF-AADF-7AA5ADFF33E7}"/>
-              </a:ext>
-            </a:extLst>
-          </p:cNvPr>
-          <p:cNvSpPr>
-            <a:spLocks noGrp="1"/>
-          </p:cNvSpPr>
-          <p:nvPr>
-            <p:ph type="sldNum" sz="quarter" idx="12"/>
-          </p:nvPr>
-        </p:nvSpPr>
-        <p:spPr/>
-        <p:txBody>
-          <a:bodyPr/>
-          <a:lstStyle/>
-          <a:p>
-            <a:fld id="{96652B35-718D-4E28-AFEB-B694A3B357E8}" type="slidenum">
-              <a:rPr lang="en-US" smtClean="0">
-                <a:solidFill>
-                  <a:prstClr val="black"/>
-                </a:solidFill>
-                <a:latin typeface="Calibri"/>
-              </a:rPr>
-              <a:pPr/>
-              <a:t>26</a:t>
-            </a:fld>
-            <a:endParaRPr lang="en-US" sz="2000" dirty="0">
-              <a:solidFill>
-                <a:prstClr val="white"/>
-              </a:solidFill>
-              <a:latin typeface="Calibri"/>
-            </a:endParaRPr>
-          </a:p>
-        </p:txBody>
-      </p:sp>
-      <mc:AlternateContent xmlns:mc="http://schemas.openxmlformats.org/markup-compatibility/2006">
-        <mc:Choice xmlns:a14="http://schemas.microsoft.com/office/drawing/2010/main" Requires="a14">
-          <p:sp>
-            <p:nvSpPr>
-              <p:cNvPr id="4" name="Title 3">
-                <a:extLst>
-                  <a:ext uri="{FF2B5EF4-FFF2-40B4-BE49-F238E27FC236}">
-                    <a16:creationId xmlns:a16="http://schemas.microsoft.com/office/drawing/2014/main" id="{D3E677BF-3B77-6AC6-EACC-B3D4103DFA2E}"/>
-                  </a:ext>
-                </a:extLst>
-              </p:cNvPr>
-              <p:cNvSpPr>
-                <a:spLocks noGrp="1"/>
-              </p:cNvSpPr>
-              <p:nvPr>
-                <p:ph type="title"/>
-              </p:nvPr>
-            </p:nvSpPr>
-            <p:spPr/>
-            <p:txBody>
-              <a:bodyPr/>
-              <a:lstStyle/>
-              <a:p>
-                <a:r>
-                  <a:rPr lang="en-US" dirty="0"/>
-                  <a:t>Estimating </a:t>
-                </a:r>
-                <a14:m>
-                  <m:oMath xmlns:m="http://schemas.openxmlformats.org/officeDocument/2006/math">
-                    <m:r>
-                      <a:rPr lang="en-US" b="1" i="1" smtClean="0">
-                        <a:latin typeface="Cambria Math" panose="02040503050406030204" pitchFamily="18" charset="0"/>
-                      </a:rPr>
-                      <m:t>𝒑</m:t>
-                    </m:r>
-                    <m:r>
-                      <a:rPr lang="en-US" b="1" i="1" smtClean="0">
-                        <a:latin typeface="Cambria Math" panose="02040503050406030204" pitchFamily="18" charset="0"/>
-                      </a:rPr>
-                      <m:t>(</m:t>
-                    </m:r>
-                    <m:sSub>
-                      <m:sSubPr>
-                        <m:ctrlPr>
-                          <a:rPr lang="en-US" b="1" i="1" smtClean="0">
-                            <a:latin typeface="Cambria Math" panose="02040503050406030204" pitchFamily="18" charset="0"/>
-                          </a:rPr>
-                        </m:ctrlPr>
-                      </m:sSubPr>
-                      <m:e>
-                        <m:r>
-                          <a:rPr lang="en-US" b="1" i="1" smtClean="0">
-                            <a:latin typeface="Cambria Math" panose="02040503050406030204" pitchFamily="18" charset="0"/>
-                          </a:rPr>
-                          <m:t>𝒛</m:t>
-                        </m:r>
-                      </m:e>
-                      <m:sub>
-                        <m:r>
-                          <a:rPr lang="en-US" b="1" i="1" smtClean="0">
-                            <a:latin typeface="Cambria Math" panose="02040503050406030204" pitchFamily="18" charset="0"/>
-                          </a:rPr>
-                          <m:t>𝒏</m:t>
-                        </m:r>
-                      </m:sub>
-                    </m:sSub>
-                    <m:r>
-                      <a:rPr lang="en-US" b="1" i="1" smtClean="0">
-                        <a:latin typeface="Cambria Math" panose="02040503050406030204" pitchFamily="18" charset="0"/>
-                      </a:rPr>
-                      <m:t>|</m:t>
-                    </m:r>
-                    <m:sSub>
-                      <m:sSubPr>
-                        <m:ctrlPr>
-                          <a:rPr lang="en-US" b="1" i="1" smtClean="0">
-                            <a:latin typeface="Cambria Math" panose="02040503050406030204" pitchFamily="18" charset="0"/>
-                          </a:rPr>
-                        </m:ctrlPr>
-                      </m:sSubPr>
-                      <m:e>
-                        <m:r>
-                          <a:rPr lang="en-US" b="1" i="1" smtClean="0">
-                            <a:latin typeface="Cambria Math" panose="02040503050406030204" pitchFamily="18" charset="0"/>
-                          </a:rPr>
-                          <m:t>𝒙</m:t>
-                        </m:r>
-                      </m:e>
-                      <m:sub>
-                        <m:r>
-                          <a:rPr lang="en-US" b="1" i="1" smtClean="0">
-                            <a:latin typeface="Cambria Math" panose="02040503050406030204" pitchFamily="18" charset="0"/>
-                          </a:rPr>
-                          <m:t>𝟏</m:t>
-                        </m:r>
-                        <m:r>
-                          <a:rPr lang="en-US" b="1" i="1" smtClean="0">
-                            <a:latin typeface="Cambria Math" panose="02040503050406030204" pitchFamily="18" charset="0"/>
-                          </a:rPr>
-                          <m:t>..</m:t>
-                        </m:r>
-                        <m:r>
-                          <a:rPr lang="en-US" b="1" i="1" smtClean="0">
-                            <a:latin typeface="Cambria Math" panose="02040503050406030204" pitchFamily="18" charset="0"/>
-                          </a:rPr>
-                          <m:t>𝑵</m:t>
-                        </m:r>
-                      </m:sub>
-                    </m:sSub>
-                    <m:r>
-                      <a:rPr lang="en-US" b="1" i="1" smtClean="0">
-                        <a:latin typeface="Cambria Math" panose="02040503050406030204" pitchFamily="18" charset="0"/>
-                      </a:rPr>
-                      <m:t>)</m:t>
-                    </m:r>
-                  </m:oMath>
-                </a14:m>
-                <a:endParaRPr lang="en-US" dirty="0"/>
-              </a:p>
-            </p:txBody>
-          </p:sp>
-        </mc:Choice>
-        <mc:Fallback>
-          <p:sp>
-            <p:nvSpPr>
-              <p:cNvPr id="4" name="Title 3">
-                <a:extLst>
-                  <a:ext uri="{FF2B5EF4-FFF2-40B4-BE49-F238E27FC236}">
-                    <a16:creationId xmlns:a16="http://schemas.microsoft.com/office/drawing/2014/main" id="{D3E677BF-3B77-6AC6-EACC-B3D4103DFA2E}"/>
-                  </a:ext>
-                </a:extLst>
-              </p:cNvPr>
-              <p:cNvSpPr>
-                <a:spLocks noGrp="1" noRot="1" noChangeAspect="1" noMove="1" noResize="1" noEditPoints="1" noAdjustHandles="1" noChangeArrowheads="1" noChangeShapeType="1" noTextEdit="1"/>
-              </p:cNvSpPr>
-              <p:nvPr>
-                <p:ph type="title"/>
-              </p:nvPr>
-            </p:nvSpPr>
-            <p:spPr>
-              <a:blipFill>
-                <a:blip r:embed="rId3"/>
-                <a:stretch>
-                  <a:fillRect b="-12766"/>
-                </a:stretch>
-              </a:blipFill>
-            </p:spPr>
-            <p:txBody>
-              <a:bodyPr/>
-              <a:lstStyle/>
-              <a:p>
-                <a:r>
-                  <a:rPr lang="en-US">
-                    <a:noFill/>
-                  </a:rPr>
-                  <a:t> </a:t>
-                </a:r>
-              </a:p>
-            </p:txBody>
-          </p:sp>
-        </mc:Fallback>
-      </mc:AlternateContent>
-    </p:spTree>
-    <p:extLst>
-      <p:ext uri="{BB962C8B-B14F-4D97-AF65-F5344CB8AC3E}">
-        <p14:creationId xmlns:p14="http://schemas.microsoft.com/office/powerpoint/2010/main" val="97926551"/>
-      </p:ext>
-    </p:extLst>
-  </p:cSld>
-  <p:clrMapOvr>
-    <a:masterClrMapping/>
-  </p:clrMapOvr>
-</p:sld>
-</file>
-
-<file path=ppt/slides/slide27.xml><?xml version="1.0" encoding="utf-8"?>
-<p:sld xmlns:a="http://schemas.openxmlformats.org/drawingml/2006/main" xmlns:r="http://schemas.openxmlformats.org/officeDocument/2006/relationships" xmlns:p="http://schemas.openxmlformats.org/presentationml/2006/main">
-  <p:cSld>
-    <p:spTree>
-      <p:nvGrpSpPr>
-        <p:cNvPr id="1" name=""/>
-        <p:cNvGrpSpPr/>
-        <p:nvPr/>
-      </p:nvGrpSpPr>
-      <p:grpSpPr>
-        <a:xfrm>
-          <a:off x="0" y="0"/>
-          <a:ext cx="0" cy="0"/>
-          <a:chOff x="0" y="0"/>
-          <a:chExt cx="0" cy="0"/>
-        </a:xfrm>
-      </p:grpSpPr>
-      <p:sp>
-        <p:nvSpPr>
-          <p:cNvPr id="2" name="Content Placeholder 1">
-            <a:extLst>
-              <a:ext uri="{FF2B5EF4-FFF2-40B4-BE49-F238E27FC236}">
-                <a16:creationId xmlns:a16="http://schemas.microsoft.com/office/drawing/2014/main" id="{B61EA733-AC60-8778-9C05-BEAA25909E8C}"/>
-              </a:ext>
-            </a:extLst>
-          </p:cNvPr>
-          <p:cNvSpPr>
-            <a:spLocks noGrp="1"/>
-          </p:cNvSpPr>
-          <p:nvPr>
-            <p:ph idx="1"/>
-          </p:nvPr>
-        </p:nvSpPr>
-        <p:spPr/>
-        <p:txBody>
-          <a:bodyPr/>
-          <a:lstStyle/>
-          <a:p>
-            <a:endParaRPr lang="en-US"/>
-          </a:p>
-        </p:txBody>
-      </p:sp>
-      <p:sp>
-        <p:nvSpPr>
-          <p:cNvPr id="3" name="Slide Number Placeholder 2">
-            <a:extLst>
-              <a:ext uri="{FF2B5EF4-FFF2-40B4-BE49-F238E27FC236}">
-                <a16:creationId xmlns:a16="http://schemas.microsoft.com/office/drawing/2014/main" id="{E77B44B3-0B10-2EB4-199D-17C01AFCFFBD}"/>
-              </a:ext>
-            </a:extLst>
-          </p:cNvPr>
-          <p:cNvSpPr>
-            <a:spLocks noGrp="1"/>
-          </p:cNvSpPr>
-          <p:nvPr>
-            <p:ph type="sldNum" sz="quarter" idx="12"/>
-          </p:nvPr>
-        </p:nvSpPr>
-        <p:spPr/>
-        <p:txBody>
-          <a:bodyPr/>
-          <a:lstStyle/>
-          <a:p>
-            <a:fld id="{96652B35-718D-4E28-AFEB-B694A3B357E8}" type="slidenum">
-              <a:rPr lang="en-US" smtClean="0">
-                <a:solidFill>
-                  <a:prstClr val="black"/>
-                </a:solidFill>
-                <a:latin typeface="Calibri"/>
-              </a:rPr>
-              <a:pPr/>
-              <a:t>27</a:t>
-            </a:fld>
-            <a:endParaRPr lang="en-US" sz="2000" dirty="0">
-              <a:solidFill>
-                <a:prstClr val="white"/>
-              </a:solidFill>
-              <a:latin typeface="Calibri"/>
-            </a:endParaRPr>
-          </a:p>
-        </p:txBody>
-      </p:sp>
-      <p:sp>
-        <p:nvSpPr>
-          <p:cNvPr id="4" name="Title 3">
-            <a:extLst>
-              <a:ext uri="{FF2B5EF4-FFF2-40B4-BE49-F238E27FC236}">
-                <a16:creationId xmlns:a16="http://schemas.microsoft.com/office/drawing/2014/main" id="{9619830A-5A25-5FBA-C564-FE32B9D40FE8}"/>
-              </a:ext>
-            </a:extLst>
-          </p:cNvPr>
-          <p:cNvSpPr>
-            <a:spLocks noGrp="1"/>
-          </p:cNvSpPr>
-          <p:nvPr>
-            <p:ph type="title"/>
-          </p:nvPr>
-        </p:nvSpPr>
-        <p:spPr/>
-        <p:txBody>
-          <a:bodyPr/>
-          <a:lstStyle/>
-          <a:p>
-            <a:endParaRPr lang="en-US"/>
-          </a:p>
-        </p:txBody>
-      </p:sp>
-    </p:spTree>
-    <p:extLst>
-      <p:ext uri="{BB962C8B-B14F-4D97-AF65-F5344CB8AC3E}">
-        <p14:creationId xmlns:p14="http://schemas.microsoft.com/office/powerpoint/2010/main" val="1059106749"/>
-      </p:ext>
-    </p:extLst>
-  </p:cSld>
-  <p:clrMapOvr>
-    <a:masterClrMapping/>
-  </p:clrMapOvr>
-</p:sld>
-</file>
-
-<file path=ppt/slides/slide28.xml><?xml version="1.0" encoding="utf-8"?>
-<p:sld xmlns:a="http://schemas.openxmlformats.org/drawingml/2006/main" xmlns:r="http://schemas.openxmlformats.org/officeDocument/2006/relationships" xmlns:p="http://schemas.openxmlformats.org/presentationml/2006/main">
-  <p:cSld>
-    <p:spTree>
-      <p:nvGrpSpPr>
-        <p:cNvPr id="1" name=""/>
-        <p:cNvGrpSpPr/>
-        <p:nvPr/>
-      </p:nvGrpSpPr>
-      <p:grpSpPr>
-        <a:xfrm>
-          <a:off x="0" y="0"/>
-          <a:ext cx="0" cy="0"/>
-          <a:chOff x="0" y="0"/>
-          <a:chExt cx="0" cy="0"/>
-        </a:xfrm>
-      </p:grpSpPr>
-      <p:sp>
-        <p:nvSpPr>
-          <p:cNvPr id="2" name="Content Placeholder 1">
-            <a:extLst>
-              <a:ext uri="{FF2B5EF4-FFF2-40B4-BE49-F238E27FC236}">
-                <a16:creationId xmlns:a16="http://schemas.microsoft.com/office/drawing/2014/main" id="{EAD082AC-E7B2-85BD-3403-DB5817FFF874}"/>
-              </a:ext>
-            </a:extLst>
-          </p:cNvPr>
-          <p:cNvSpPr>
-            <a:spLocks noGrp="1"/>
-          </p:cNvSpPr>
-          <p:nvPr>
-            <p:ph idx="1"/>
-          </p:nvPr>
-        </p:nvSpPr>
-        <p:spPr>
-          <a:solidFill>
-            <a:schemeClr val="accent6">
-              <a:lumMod val="40000"/>
-              <a:lumOff val="60000"/>
-            </a:schemeClr>
-          </a:solidFill>
-        </p:spPr>
-        <p:txBody>
-          <a:bodyPr>
-            <a:normAutofit fontScale="85000" lnSpcReduction="20000"/>
-          </a:bodyPr>
-          <a:lstStyle/>
-          <a:p>
-            <a:r>
-              <a:rPr lang="en-US" dirty="0"/>
-              <a:t>Mixture Distribution: to build more complex distribution from simple ones</a:t>
-            </a:r>
-          </a:p>
-          <a:p>
-            <a:r>
-              <a:rPr lang="en-US" dirty="0"/>
-              <a:t>Gaussian Mixture Model: k Gaussian components</a:t>
-            </a:r>
-          </a:p>
-          <a:p>
-            <a:r>
-              <a:rPr lang="en-US" dirty="0"/>
-              <a:t>Expectation-Maximization: general for graphical models with latent variables</a:t>
-            </a:r>
-          </a:p>
-          <a:p>
-            <a:pPr lvl="1"/>
-            <a:r>
-              <a:rPr lang="en-US" dirty="0"/>
-              <a:t>E-step: fix parameter, estimate posterior mean/variance</a:t>
-            </a:r>
-          </a:p>
-          <a:p>
-            <a:pPr lvl="1"/>
-            <a:r>
-              <a:rPr lang="en-US" dirty="0"/>
-              <a:t>M-step: update parameter </a:t>
-            </a:r>
-          </a:p>
-          <a:p>
-            <a:r>
-              <a:rPr lang="en-US" dirty="0"/>
-              <a:t>Probabilistic PCA: latent is continuous</a:t>
-            </a:r>
-          </a:p>
-          <a:p>
-            <a:r>
-              <a:rPr lang="en-US" dirty="0"/>
-              <a:t>Linear Dynamical System:</a:t>
-            </a:r>
-          </a:p>
-          <a:p>
-            <a:pPr lvl="1"/>
-            <a:r>
-              <a:rPr lang="en-US" dirty="0"/>
-              <a:t>E-step: Forward-backward alg.</a:t>
-            </a:r>
-          </a:p>
-          <a:p>
-            <a:pPr lvl="1"/>
-            <a:r>
-              <a:rPr lang="en-US" dirty="0"/>
-              <a:t>M-step: update parameters </a:t>
-            </a:r>
-          </a:p>
-          <a:p>
-            <a:endParaRPr lang="en-US" dirty="0"/>
-          </a:p>
-        </p:txBody>
-      </p:sp>
-      <p:sp>
-        <p:nvSpPr>
-          <p:cNvPr id="3" name="Slide Number Placeholder 2">
-            <a:extLst>
-              <a:ext uri="{FF2B5EF4-FFF2-40B4-BE49-F238E27FC236}">
-                <a16:creationId xmlns:a16="http://schemas.microsoft.com/office/drawing/2014/main" id="{D400AD90-B95F-B8B6-55A6-124E095BABA7}"/>
-              </a:ext>
-            </a:extLst>
-          </p:cNvPr>
-          <p:cNvSpPr>
-            <a:spLocks noGrp="1"/>
-          </p:cNvSpPr>
-          <p:nvPr>
-            <p:ph type="sldNum" sz="quarter" idx="12"/>
-          </p:nvPr>
-        </p:nvSpPr>
-        <p:spPr/>
-        <p:txBody>
-          <a:bodyPr/>
-          <a:lstStyle/>
-          <a:p>
-            <a:fld id="{96652B35-718D-4E28-AFEB-B694A3B357E8}" type="slidenum">
-              <a:rPr lang="en-US" smtClean="0">
-                <a:solidFill>
-                  <a:prstClr val="black"/>
-                </a:solidFill>
-                <a:latin typeface="Calibri"/>
-              </a:rPr>
-              <a:pPr/>
-              <a:t>28</a:t>
-            </a:fld>
-            <a:endParaRPr lang="en-US" sz="2000" dirty="0">
-              <a:solidFill>
-                <a:prstClr val="white"/>
-              </a:solidFill>
-              <a:latin typeface="Calibri"/>
-            </a:endParaRPr>
-          </a:p>
-        </p:txBody>
-      </p:sp>
-      <p:sp>
-        <p:nvSpPr>
-          <p:cNvPr id="4" name="Title 3">
-            <a:extLst>
-              <a:ext uri="{FF2B5EF4-FFF2-40B4-BE49-F238E27FC236}">
-                <a16:creationId xmlns:a16="http://schemas.microsoft.com/office/drawing/2014/main" id="{7854ECB2-D486-5AFA-5240-F7AF33EFA4EF}"/>
-              </a:ext>
-            </a:extLst>
-          </p:cNvPr>
-          <p:cNvSpPr>
-            <a:spLocks noGrp="1"/>
-          </p:cNvSpPr>
-          <p:nvPr>
-            <p:ph type="title"/>
-          </p:nvPr>
-        </p:nvSpPr>
-        <p:spPr/>
-        <p:txBody>
-          <a:bodyPr/>
-          <a:lstStyle/>
-          <a:p>
-            <a:r>
-              <a:rPr lang="en-US" dirty="0"/>
-              <a:t>Summary</a:t>
-            </a:r>
-          </a:p>
-        </p:txBody>
-      </p:sp>
-    </p:spTree>
-    <p:extLst>
-      <p:ext uri="{BB962C8B-B14F-4D97-AF65-F5344CB8AC3E}">
-        <p14:creationId xmlns:p14="http://schemas.microsoft.com/office/powerpoint/2010/main" val="839440069"/>
-      </p:ext>
-    </p:extLst>
-  </p:cSld>
-  <p:clrMapOvr>
-    <a:masterClrMapping/>
-  </p:clrMapOvr>
-</p:sld>
-</file>
-
-<file path=ppt/slides/slide29.xml><?xml version="1.0" encoding="utf-8"?>
-<p:sld xmlns:a="http://schemas.openxmlformats.org/drawingml/2006/main" xmlns:r="http://schemas.openxmlformats.org/officeDocument/2006/relationships" xmlns:p="http://schemas.openxmlformats.org/presentationml/2006/main">
-  <p:cSld>
-    <p:spTree>
-      <p:nvGrpSpPr>
-        <p:cNvPr id="1" name=""/>
-        <p:cNvGrpSpPr/>
-        <p:nvPr/>
-      </p:nvGrpSpPr>
-      <p:grpSpPr>
-        <a:xfrm>
-          <a:off x="0" y="0"/>
-          <a:ext cx="0" cy="0"/>
-          <a:chOff x="0" y="0"/>
-          <a:chExt cx="0" cy="0"/>
-        </a:xfrm>
-      </p:grpSpPr>
-      <p:sp>
-        <p:nvSpPr>
-          <p:cNvPr id="2" name="Content Placeholder 1">
-            <a:extLst>
-              <a:ext uri="{FF2B5EF4-FFF2-40B4-BE49-F238E27FC236}">
-                <a16:creationId xmlns:a16="http://schemas.microsoft.com/office/drawing/2014/main" id="{EA972DC0-2304-8CD2-BCAD-91E7960C2908}"/>
-              </a:ext>
-            </a:extLst>
-          </p:cNvPr>
-          <p:cNvSpPr>
-            <a:spLocks noGrp="1"/>
-          </p:cNvSpPr>
-          <p:nvPr>
-            <p:ph idx="1"/>
-          </p:nvPr>
-        </p:nvSpPr>
-        <p:spPr/>
-        <p:txBody>
-          <a:bodyPr/>
-          <a:lstStyle/>
-          <a:p>
-            <a:r>
-              <a:rPr lang="en-US" b="0" i="0" u="none" strike="noStrike" dirty="0">
-                <a:solidFill>
-                  <a:srgbClr val="000000"/>
-                </a:solidFill>
-                <a:effectLst/>
-                <a:latin typeface="Helvetica" pitchFamily="2" charset="0"/>
-              </a:rPr>
-              <a:t>PRML Chapter 9, 12.2, 13.3</a:t>
-            </a:r>
-            <a:endParaRPr lang="en-US" dirty="0"/>
-          </a:p>
-        </p:txBody>
-      </p:sp>
-      <p:sp>
-        <p:nvSpPr>
-          <p:cNvPr id="3" name="Slide Number Placeholder 2">
-            <a:extLst>
-              <a:ext uri="{FF2B5EF4-FFF2-40B4-BE49-F238E27FC236}">
-                <a16:creationId xmlns:a16="http://schemas.microsoft.com/office/drawing/2014/main" id="{1A5C8B90-8A6B-5829-FF54-A06A1CF769D4}"/>
-              </a:ext>
-            </a:extLst>
-          </p:cNvPr>
-          <p:cNvSpPr>
-            <a:spLocks noGrp="1"/>
-          </p:cNvSpPr>
-          <p:nvPr>
-            <p:ph type="sldNum" sz="quarter" idx="12"/>
-          </p:nvPr>
-        </p:nvSpPr>
-        <p:spPr/>
-        <p:txBody>
-          <a:bodyPr/>
-          <a:lstStyle/>
-          <a:p>
-            <a:fld id="{96652B35-718D-4E28-AFEB-B694A3B357E8}" type="slidenum">
-              <a:rPr lang="en-US" smtClean="0">
-                <a:solidFill>
-                  <a:prstClr val="black"/>
-                </a:solidFill>
-                <a:latin typeface="Calibri"/>
-              </a:rPr>
-              <a:pPr/>
-              <a:t>29</a:t>
-            </a:fld>
-            <a:endParaRPr lang="en-US" sz="2000" dirty="0">
-              <a:solidFill>
-                <a:prstClr val="white"/>
-              </a:solidFill>
-              <a:latin typeface="Calibri"/>
-            </a:endParaRPr>
-          </a:p>
-        </p:txBody>
-      </p:sp>
-      <p:sp>
-        <p:nvSpPr>
-          <p:cNvPr id="4" name="Title 3">
-            <a:extLst>
-              <a:ext uri="{FF2B5EF4-FFF2-40B4-BE49-F238E27FC236}">
-                <a16:creationId xmlns:a16="http://schemas.microsoft.com/office/drawing/2014/main" id="{EFB5E168-9D45-79E4-B98C-5B07731137DE}"/>
-              </a:ext>
-            </a:extLst>
-          </p:cNvPr>
-          <p:cNvSpPr>
-            <a:spLocks noGrp="1"/>
-          </p:cNvSpPr>
-          <p:nvPr>
-            <p:ph type="title"/>
-          </p:nvPr>
-        </p:nvSpPr>
-        <p:spPr/>
-        <p:txBody>
-          <a:bodyPr/>
-          <a:lstStyle/>
-          <a:p>
-            <a:r>
-              <a:rPr lang="en-US" dirty="0"/>
-              <a:t>Recommended Reading</a:t>
-            </a:r>
-          </a:p>
-        </p:txBody>
-      </p:sp>
-    </p:spTree>
-    <p:extLst>
-      <p:ext uri="{BB962C8B-B14F-4D97-AF65-F5344CB8AC3E}">
-        <p14:creationId xmlns:p14="http://schemas.microsoft.com/office/powerpoint/2010/main" val="22127006"/>
+        <p14:creationId xmlns:p14="http://schemas.microsoft.com/office/powerpoint/2010/main" val="1405407068"/>
       </p:ext>
     </p:extLst>
   </p:cSld>
@@ -13916,132 +11665,6 @@
     <p:extLst>
       <p:ext uri="{BB962C8B-B14F-4D97-AF65-F5344CB8AC3E}">
         <p14:creationId xmlns:p14="http://schemas.microsoft.com/office/powerpoint/2010/main" val="1049748170"/>
-      </p:ext>
-    </p:extLst>
-  </p:cSld>
-  <p:clrMapOvr>
-    <a:masterClrMapping/>
-  </p:clrMapOvr>
-</p:sld>
-</file>
-
-<file path=ppt/slides/slide30.xml><?xml version="1.0" encoding="utf-8"?>
-<p:sld xmlns:a="http://schemas.openxmlformats.org/drawingml/2006/main" xmlns:r="http://schemas.openxmlformats.org/officeDocument/2006/relationships" xmlns:p="http://schemas.openxmlformats.org/presentationml/2006/main">
-  <p:cSld>
-    <p:spTree>
-      <p:nvGrpSpPr>
-        <p:cNvPr id="1" name=""/>
-        <p:cNvGrpSpPr/>
-        <p:nvPr/>
-      </p:nvGrpSpPr>
-      <p:grpSpPr>
-        <a:xfrm>
-          <a:off x="0" y="0"/>
-          <a:ext cx="0" cy="0"/>
-          <a:chOff x="0" y="0"/>
-          <a:chExt cx="0" cy="0"/>
-        </a:xfrm>
-      </p:grpSpPr>
-      <p:sp>
-        <p:nvSpPr>
-          <p:cNvPr id="2" name="Content Placeholder 1">
-            <a:extLst>
-              <a:ext uri="{FF2B5EF4-FFF2-40B4-BE49-F238E27FC236}">
-                <a16:creationId xmlns:a16="http://schemas.microsoft.com/office/drawing/2014/main" id="{5C4C8C93-A6A4-14DC-6A20-0922502D9FC5}"/>
-              </a:ext>
-            </a:extLst>
-          </p:cNvPr>
-          <p:cNvSpPr>
-            <a:spLocks noGrp="1"/>
-          </p:cNvSpPr>
-          <p:nvPr>
-            <p:ph idx="1"/>
-          </p:nvPr>
-        </p:nvSpPr>
-        <p:spPr/>
-        <p:txBody>
-          <a:bodyPr/>
-          <a:lstStyle/>
-          <a:p>
-            <a:r>
-              <a:rPr lang="en-US" dirty="0"/>
-              <a:t>Undirected Graphical Models</a:t>
-            </a:r>
-          </a:p>
-        </p:txBody>
-      </p:sp>
-      <p:sp>
-        <p:nvSpPr>
-          <p:cNvPr id="3" name="Slide Number Placeholder 2">
-            <a:extLst>
-              <a:ext uri="{FF2B5EF4-FFF2-40B4-BE49-F238E27FC236}">
-                <a16:creationId xmlns:a16="http://schemas.microsoft.com/office/drawing/2014/main" id="{DD3D75E8-AD23-8C6F-20BC-F2BB2FF4325F}"/>
-              </a:ext>
-            </a:extLst>
-          </p:cNvPr>
-          <p:cNvSpPr>
-            <a:spLocks noGrp="1"/>
-          </p:cNvSpPr>
-          <p:nvPr>
-            <p:ph type="sldNum" sz="quarter" idx="12"/>
-          </p:nvPr>
-        </p:nvSpPr>
-        <p:spPr/>
-        <p:txBody>
-          <a:bodyPr/>
-          <a:lstStyle/>
-          <a:p>
-            <a:fld id="{96652B35-718D-4E28-AFEB-B694A3B357E8}" type="slidenum">
-              <a:rPr lang="en-US" smtClean="0">
-                <a:solidFill>
-                  <a:prstClr val="black"/>
-                </a:solidFill>
-                <a:latin typeface="Calibri"/>
-              </a:rPr>
-              <a:pPr/>
-              <a:t>30</a:t>
-            </a:fld>
-            <a:endParaRPr lang="en-US" sz="2000" dirty="0">
-              <a:solidFill>
-                <a:prstClr val="white"/>
-              </a:solidFill>
-              <a:latin typeface="Calibri"/>
-            </a:endParaRPr>
-          </a:p>
-        </p:txBody>
-      </p:sp>
-      <p:sp>
-        <p:nvSpPr>
-          <p:cNvPr id="4" name="Title 3">
-            <a:extLst>
-              <a:ext uri="{FF2B5EF4-FFF2-40B4-BE49-F238E27FC236}">
-                <a16:creationId xmlns:a16="http://schemas.microsoft.com/office/drawing/2014/main" id="{44925512-8D0A-2807-7EEB-150E0F4950AE}"/>
-              </a:ext>
-            </a:extLst>
-          </p:cNvPr>
-          <p:cNvSpPr>
-            <a:spLocks noGrp="1"/>
-          </p:cNvSpPr>
-          <p:nvPr>
-            <p:ph type="title"/>
-          </p:nvPr>
-        </p:nvSpPr>
-        <p:spPr/>
-        <p:txBody>
-          <a:bodyPr/>
-          <a:lstStyle/>
-          <a:p>
-            <a:r>
-              <a:rPr lang="en-US" dirty="0"/>
-              <a:t>Next up</a:t>
-            </a:r>
-          </a:p>
-        </p:txBody>
-      </p:sp>
-    </p:spTree>
-    <p:extLst>
-      <p:ext uri="{BB962C8B-B14F-4D97-AF65-F5344CB8AC3E}">
-        <p14:creationId xmlns:p14="http://schemas.microsoft.com/office/powerpoint/2010/main" val="1405407068"/>
       </p:ext>
     </p:extLst>
   </p:cSld>
